--- a/fuentes/contenidos/grado06/guion12/MapaConceptual_MA_06_12_CO.pptx
+++ b/fuentes/contenidos/grado06/guion12/MapaConceptual_MA_06_12_CO.pptx
@@ -150,13 +150,6 @@
   <p:clrMapOvr>
     <a:masterClrMapping/>
   </p:clrMapOvr>
-  <p:timing>
-    <p:tnLst>
-      <p:par>
-        <p:cTn id="1" dur="indefinite" restart="never" nodeType="tmRoot"/>
-      </p:par>
-    </p:tnLst>
-  </p:timing>
 </p:sldLayout>
 </file>
 
@@ -187,13 +180,6 @@
   <p:clrMapOvr>
     <a:masterClrMapping/>
   </p:clrMapOvr>
-  <p:timing>
-    <p:tnLst>
-      <p:par>
-        <p:cTn id="1" dur="indefinite" restart="never" nodeType="tmRoot"/>
-      </p:par>
-    </p:tnLst>
-  </p:timing>
 </p:sldLayout>
 </file>
 
@@ -224,13 +210,6 @@
   <p:clrMapOvr>
     <a:masterClrMapping/>
   </p:clrMapOvr>
-  <p:timing>
-    <p:tnLst>
-      <p:par>
-        <p:cTn id="1" dur="indefinite" restart="never" nodeType="tmRoot"/>
-      </p:par>
-    </p:tnLst>
-  </p:timing>
 </p:sldLayout>
 </file>
 
@@ -261,13 +240,6 @@
   <p:clrMapOvr>
     <a:masterClrMapping/>
   </p:clrMapOvr>
-  <p:timing>
-    <p:tnLst>
-      <p:par>
-        <p:cTn id="1" dur="indefinite" restart="never" nodeType="tmRoot"/>
-      </p:par>
-    </p:tnLst>
-  </p:timing>
 </p:sldLayout>
 </file>
 
@@ -298,13 +270,6 @@
   <p:clrMapOvr>
     <a:masterClrMapping/>
   </p:clrMapOvr>
-  <p:timing>
-    <p:tnLst>
-      <p:par>
-        <p:cTn id="1" dur="indefinite" restart="never" nodeType="tmRoot"/>
-      </p:par>
-    </p:tnLst>
-  </p:timing>
 </p:sldLayout>
 </file>
 
@@ -335,13 +300,6 @@
   <p:clrMapOvr>
     <a:masterClrMapping/>
   </p:clrMapOvr>
-  <p:timing>
-    <p:tnLst>
-      <p:par>
-        <p:cTn id="1" dur="indefinite" restart="never" nodeType="tmRoot"/>
-      </p:par>
-    </p:tnLst>
-  </p:timing>
 </p:sldLayout>
 </file>
 
@@ -372,13 +330,6 @@
   <p:clrMapOvr>
     <a:masterClrMapping/>
   </p:clrMapOvr>
-  <p:timing>
-    <p:tnLst>
-      <p:par>
-        <p:cTn id="1" dur="indefinite" restart="never" nodeType="tmRoot"/>
-      </p:par>
-    </p:tnLst>
-  </p:timing>
 </p:sldLayout>
 </file>
 
@@ -409,13 +360,6 @@
   <p:clrMapOvr>
     <a:masterClrMapping/>
   </p:clrMapOvr>
-  <p:timing>
-    <p:tnLst>
-      <p:par>
-        <p:cTn id="1" dur="indefinite" restart="never" nodeType="tmRoot"/>
-      </p:par>
-    </p:tnLst>
-  </p:timing>
 </p:sldLayout>
 </file>
 
@@ -461,7 +405,7 @@
           <a:p>
             <a:fld id="{5001C876-01F7-4317-94B9-1AE222133113}" type="datetimeFigureOut">
               <a:rPr lang="es-ES" smtClean="0"/>
-              <a:t>11/03/2016</a:t>
+              <a:t>14/03/2016</a:t>
             </a:fld>
             <a:endParaRPr lang="es-ES"/>
           </a:p>
@@ -535,13 +479,6 @@
   <p:clrMapOvr>
     <a:masterClrMapping/>
   </p:clrMapOvr>
-  <p:timing>
-    <p:tnLst>
-      <p:par>
-        <p:cTn id="1" dur="indefinite" restart="never" nodeType="tmRoot"/>
-      </p:par>
-    </p:tnLst>
-  </p:timing>
 </p:sldLayout>
 </file>
 
@@ -572,13 +509,6 @@
   <p:clrMapOvr>
     <a:masterClrMapping/>
   </p:clrMapOvr>
-  <p:timing>
-    <p:tnLst>
-      <p:par>
-        <p:cTn id="1" dur="indefinite" restart="never" nodeType="tmRoot"/>
-      </p:par>
-    </p:tnLst>
-  </p:timing>
 </p:sldLayout>
 </file>
 
@@ -609,13 +539,6 @@
   <p:clrMapOvr>
     <a:masterClrMapping/>
   </p:clrMapOvr>
-  <p:timing>
-    <p:tnLst>
-      <p:par>
-        <p:cTn id="1" dur="indefinite" restart="never" nodeType="tmRoot"/>
-      </p:par>
-    </p:tnLst>
-  </p:timing>
 </p:sldLayout>
 </file>
 
@@ -665,16 +588,12 @@
           <a:p>
             <a:pPr algn="ctr"/>
             <a:r>
-              <a:rPr lang="es-ES" sz="1200" dirty="0" smtClean="0">
+              <a:rPr lang="es-ES" sz="1200" dirty="0">
                 <a:latin typeface="Arial" panose="020B0604020202020204" pitchFamily="34" charset="0"/>
                 <a:cs typeface="Arial" panose="020B0604020202020204" pitchFamily="34" charset="0"/>
               </a:rPr>
               <a:t>© Editorial Planeta Colombiana S.A., 2016.</a:t>
             </a:r>
-            <a:endParaRPr lang="es-ES" sz="1200" dirty="0">
-              <a:latin typeface="Arial" panose="020B0604020202020204" pitchFamily="34" charset="0"/>
-              <a:cs typeface="Arial" panose="020B0604020202020204" pitchFamily="34" charset="0"/>
-            </a:endParaRPr>
           </a:p>
         </p:txBody>
       </p:sp>
@@ -729,13 +648,6 @@
     <p:sldLayoutId id="2147483670" r:id="rId10"/>
     <p:sldLayoutId id="2147483671" r:id="rId11"/>
   </p:sldLayoutIdLst>
-  <p:timing>
-    <p:tnLst>
-      <p:par>
-        <p:cTn id="1" dur="indefinite" restart="never" nodeType="tmRoot"/>
-      </p:par>
-    </p:tnLst>
-  </p:timing>
   <p:txStyles>
     <p:titleStyle>
       <a:lvl1pPr algn="l" defTabSz="914400" rtl="0" eaLnBrk="1" latinLnBrk="0" hangingPunct="1">
@@ -1079,44 +991,12 @@
           <a:p>
             <a:pPr algn="ctr"/>
             <a:r>
-              <a:rPr lang="es-ES" sz="1600" dirty="0" smtClean="0">
+              <a:rPr lang="es-ES" sz="1600" dirty="0">
                 <a:latin typeface="Arial" panose="020B0604020202020204" pitchFamily="34" charset="0"/>
                 <a:cs typeface="Arial" panose="020B0604020202020204" pitchFamily="34" charset="0"/>
               </a:rPr>
-              <a:t>Las t</a:t>
+              <a:t>Las transformaciones geométricas en el plano </a:t>
             </a:r>
-            <a:r>
-              <a:rPr lang="es-ES" sz="1600" dirty="0" smtClean="0">
-                <a:latin typeface="Arial" panose="020B0604020202020204" pitchFamily="34" charset="0"/>
-                <a:cs typeface="Arial" panose="020B0604020202020204" pitchFamily="34" charset="0"/>
-              </a:rPr>
-              <a:t>ransformaciones </a:t>
-            </a:r>
-            <a:r>
-              <a:rPr lang="es-ES" sz="1600" dirty="0" smtClean="0">
-                <a:latin typeface="Arial" panose="020B0604020202020204" pitchFamily="34" charset="0"/>
-                <a:cs typeface="Arial" panose="020B0604020202020204" pitchFamily="34" charset="0"/>
-              </a:rPr>
-              <a:t>geométricas </a:t>
-            </a:r>
-            <a:r>
-              <a:rPr lang="es-ES" sz="1600" dirty="0" smtClean="0">
-                <a:latin typeface="Arial" panose="020B0604020202020204" pitchFamily="34" charset="0"/>
-                <a:cs typeface="Arial" panose="020B0604020202020204" pitchFamily="34" charset="0"/>
-              </a:rPr>
-              <a:t>en </a:t>
-            </a:r>
-            <a:r>
-              <a:rPr lang="es-ES" sz="1600" dirty="0" smtClean="0">
-                <a:latin typeface="Arial" panose="020B0604020202020204" pitchFamily="34" charset="0"/>
-                <a:cs typeface="Arial" panose="020B0604020202020204" pitchFamily="34" charset="0"/>
-              </a:rPr>
-              <a:t>el plano </a:t>
-            </a:r>
-            <a:endParaRPr lang="es-ES" sz="1600" dirty="0">
-              <a:latin typeface="Arial" panose="020B0604020202020204" pitchFamily="34" charset="0"/>
-              <a:cs typeface="Arial" panose="020B0604020202020204" pitchFamily="34" charset="0"/>
-            </a:endParaRPr>
           </a:p>
         </p:txBody>
       </p:sp>
@@ -1128,8 +1008,8 @@
         </p:nvSpPr>
         <p:spPr>
           <a:xfrm>
-            <a:off x="813240" y="2648473"/>
-            <a:ext cx="1124942" cy="285073"/>
+            <a:off x="767850" y="2607833"/>
+            <a:ext cx="1266558" cy="285073"/>
           </a:xfrm>
           <a:prstGeom prst="rect">
             <a:avLst/>
@@ -1161,7 +1041,7 @@
           <a:p>
             <a:pPr algn="ctr"/>
             <a:r>
-              <a:rPr lang="es-ES" sz="1050" dirty="0" smtClean="0">
+              <a:rPr lang="es-ES" sz="1050" dirty="0">
                 <a:solidFill>
                   <a:schemeClr val="bg1"/>
                 </a:solidFill>
@@ -1170,29 +1050,27 @@
               </a:rPr>
               <a:t>las traslaciones</a:t>
             </a:r>
-            <a:endParaRPr lang="es-ES" sz="1050" dirty="0">
-              <a:solidFill>
-                <a:schemeClr val="bg1"/>
-              </a:solidFill>
-              <a:latin typeface="Arial" panose="020B0604020202020204" pitchFamily="34" charset="0"/>
-              <a:cs typeface="Arial" panose="020B0604020202020204" pitchFamily="34" charset="0"/>
-            </a:endParaRPr>
           </a:p>
         </p:txBody>
       </p:sp>
       <p:cxnSp>
         <p:nvCxnSpPr>
           <p:cNvPr id="12" name="Conector angular 11"/>
-          <p:cNvCxnSpPr/>
+          <p:cNvCxnSpPr>
+            <a:stCxn id="80" idx="2"/>
+            <a:endCxn id="5" idx="0"/>
+          </p:cNvCxnSpPr>
           <p:nvPr/>
         </p:nvCxnSpPr>
         <p:spPr>
-          <a:xfrm rot="10800000" flipV="1">
-            <a:off x="1392018" y="2480825"/>
-            <a:ext cx="2777481" cy="154150"/>
-          </a:xfrm>
-          <a:prstGeom prst="bentConnector2">
-            <a:avLst/>
+          <a:xfrm rot="5400000">
+            <a:off x="2652804" y="1108285"/>
+            <a:ext cx="247874" cy="2751223"/>
+          </a:xfrm>
+          <a:prstGeom prst="bentConnector3">
+            <a:avLst>
+              <a:gd name="adj1" fmla="val 50000"/>
+            </a:avLst>
           </a:prstGeom>
           <a:ln w="12700">
             <a:solidFill>
@@ -1223,8 +1101,8 @@
         </p:nvSpPr>
         <p:spPr>
           <a:xfrm>
-            <a:off x="815751" y="2969546"/>
-            <a:ext cx="1122431" cy="230832"/>
+            <a:off x="767851" y="2984208"/>
+            <a:ext cx="1266558" cy="190770"/>
           </a:xfrm>
           <a:prstGeom prst="rect">
             <a:avLst/>
@@ -1239,16 +1117,12 @@
           <a:p>
             <a:pPr algn="ctr"/>
             <a:r>
-              <a:rPr lang="es-ES" sz="900" dirty="0" smtClean="0">
+              <a:rPr lang="es-ES" sz="900" dirty="0">
                 <a:latin typeface="Arial" panose="020B0604020202020204" pitchFamily="34" charset="0"/>
                 <a:cs typeface="Arial" panose="020B0604020202020204" pitchFamily="34" charset="0"/>
               </a:rPr>
               <a:t>son</a:t>
             </a:r>
-            <a:endParaRPr lang="es-ES" sz="900" dirty="0">
-              <a:latin typeface="Arial" panose="020B0604020202020204" pitchFamily="34" charset="0"/>
-              <a:cs typeface="Arial" panose="020B0604020202020204" pitchFamily="34" charset="0"/>
-            </a:endParaRPr>
           </a:p>
         </p:txBody>
       </p:sp>
@@ -1260,7 +1134,7 @@
         </p:nvSpPr>
         <p:spPr>
           <a:xfrm>
-            <a:off x="767850" y="3333699"/>
+            <a:off x="767850" y="3318069"/>
             <a:ext cx="1266558" cy="465632"/>
           </a:xfrm>
           <a:prstGeom prst="rect">
@@ -1297,7 +1171,7 @@
           <a:p>
             <a:pPr algn="ctr"/>
             <a:r>
-              <a:rPr lang="es-ES" sz="900" dirty="0" smtClean="0">
+              <a:rPr lang="es-ES" sz="900" dirty="0">
                 <a:solidFill>
                   <a:schemeClr val="tx1"/>
                 </a:solidFill>
@@ -1306,13 +1180,6 @@
               </a:rPr>
               <a:t>desplazamientos a lo largo de una línea recta</a:t>
             </a:r>
-            <a:endParaRPr lang="es-ES" sz="900" dirty="0">
-              <a:solidFill>
-                <a:schemeClr val="tx1"/>
-              </a:solidFill>
-              <a:latin typeface="Arial" panose="020B0604020202020204" pitchFamily="34" charset="0"/>
-              <a:cs typeface="Arial" panose="020B0604020202020204" pitchFamily="34" charset="0"/>
-            </a:endParaRPr>
           </a:p>
         </p:txBody>
       </p:sp>
@@ -1324,8 +1191,8 @@
         </p:nvSpPr>
         <p:spPr>
           <a:xfrm>
-            <a:off x="3322671" y="2620157"/>
-            <a:ext cx="1072197" cy="284400"/>
+            <a:off x="3261066" y="2609997"/>
+            <a:ext cx="1124746" cy="284400"/>
           </a:xfrm>
           <a:prstGeom prst="rect">
             <a:avLst/>
@@ -1357,7 +1224,7 @@
           <a:p>
             <a:pPr algn="ctr"/>
             <a:r>
-              <a:rPr lang="es-ES" sz="1050" dirty="0" smtClean="0">
+              <a:rPr lang="es-ES" sz="1050" dirty="0">
                 <a:solidFill>
                   <a:schemeClr val="bg1"/>
                 </a:solidFill>
@@ -1366,13 +1233,6 @@
               </a:rPr>
               <a:t>las rotaciones</a:t>
             </a:r>
-            <a:endParaRPr lang="es-ES" sz="1050" dirty="0">
-              <a:solidFill>
-                <a:schemeClr val="bg1"/>
-              </a:solidFill>
-              <a:latin typeface="Arial" panose="020B0604020202020204" pitchFamily="34" charset="0"/>
-              <a:cs typeface="Arial" panose="020B0604020202020204" pitchFamily="34" charset="0"/>
-            </a:endParaRPr>
           </a:p>
         </p:txBody>
       </p:sp>
@@ -1384,8 +1244,8 @@
         </p:nvSpPr>
         <p:spPr>
           <a:xfrm>
-            <a:off x="5136857" y="2641856"/>
-            <a:ext cx="1294452" cy="262701"/>
+            <a:off x="5195696" y="2641856"/>
+            <a:ext cx="1058427" cy="262701"/>
           </a:xfrm>
           <a:prstGeom prst="rect">
             <a:avLst/>
@@ -1417,32 +1277,15 @@
           <a:p>
             <a:pPr algn="ctr"/>
             <a:r>
-              <a:rPr lang="es-ES" sz="1050" dirty="0" smtClean="0">
+              <a:rPr lang="es-ES" sz="1050" dirty="0">
                 <a:solidFill>
                   <a:schemeClr val="bg1"/>
                 </a:solidFill>
                 <a:latin typeface="Arial" panose="020B0604020202020204" pitchFamily="34" charset="0"/>
                 <a:cs typeface="Arial" panose="020B0604020202020204" pitchFamily="34" charset="0"/>
               </a:rPr>
-              <a:t>las r</a:t>
+              <a:t>las reflexiones</a:t>
             </a:r>
-            <a:r>
-              <a:rPr lang="es-ES" sz="1050" dirty="0" smtClean="0">
-                <a:solidFill>
-                  <a:schemeClr val="bg1"/>
-                </a:solidFill>
-                <a:latin typeface="Arial" panose="020B0604020202020204" pitchFamily="34" charset="0"/>
-                <a:cs typeface="Arial" panose="020B0604020202020204" pitchFamily="34" charset="0"/>
-              </a:rPr>
-              <a:t>eflexiones</a:t>
-            </a:r>
-            <a:endParaRPr lang="es-ES" sz="1050" dirty="0">
-              <a:solidFill>
-                <a:schemeClr val="bg1"/>
-              </a:solidFill>
-              <a:latin typeface="Arial" panose="020B0604020202020204" pitchFamily="34" charset="0"/>
-              <a:cs typeface="Arial" panose="020B0604020202020204" pitchFamily="34" charset="0"/>
-            </a:endParaRPr>
           </a:p>
         </p:txBody>
       </p:sp>
@@ -1450,17 +1293,20 @@
         <p:nvCxnSpPr>
           <p:cNvPr id="336" name="Conector angular 335"/>
           <p:cNvCxnSpPr>
+            <a:stCxn id="80" idx="2"/>
             <a:endCxn id="181" idx="0"/>
           </p:cNvCxnSpPr>
           <p:nvPr/>
         </p:nvCxnSpPr>
         <p:spPr>
-          <a:xfrm>
-            <a:off x="4156889" y="2482634"/>
-            <a:ext cx="3702719" cy="127674"/>
-          </a:xfrm>
-          <a:prstGeom prst="bentConnector2">
-            <a:avLst/>
+          <a:xfrm rot="16200000" flipH="1">
+            <a:off x="5770699" y="741612"/>
+            <a:ext cx="250349" cy="3487042"/>
+          </a:xfrm>
+          <a:prstGeom prst="bentConnector3">
+            <a:avLst>
+              <a:gd name="adj1" fmla="val 50000"/>
+            </a:avLst>
           </a:prstGeom>
           <a:ln w="12700">
             <a:solidFill>
@@ -1492,7 +1338,7 @@
         <p:spPr>
           <a:xfrm>
             <a:off x="170975" y="4267381"/>
-            <a:ext cx="704660" cy="156753"/>
+            <a:ext cx="704660" cy="379866"/>
           </a:xfrm>
           <a:prstGeom prst="rect">
             <a:avLst/>
@@ -1524,7 +1370,7 @@
           <a:p>
             <a:pPr algn="ctr"/>
             <a:r>
-              <a:rPr lang="es-ES" sz="900" dirty="0" smtClean="0">
+              <a:rPr lang="es-ES" sz="900" dirty="0">
                 <a:solidFill>
                   <a:schemeClr val="tx1"/>
                 </a:solidFill>
@@ -1533,13 +1379,6 @@
               </a:rPr>
               <a:t>dirección</a:t>
             </a:r>
-            <a:endParaRPr lang="es-ES" sz="900" dirty="0">
-              <a:solidFill>
-                <a:schemeClr val="tx1"/>
-              </a:solidFill>
-              <a:latin typeface="Arial" panose="020B0604020202020204" pitchFamily="34" charset="0"/>
-              <a:cs typeface="Arial" panose="020B0604020202020204" pitchFamily="34" charset="0"/>
-            </a:endParaRPr>
           </a:p>
         </p:txBody>
       </p:sp>
@@ -1551,8 +1390,8 @@
         </p:nvSpPr>
         <p:spPr>
           <a:xfrm>
-            <a:off x="1068645" y="4261367"/>
-            <a:ext cx="684336" cy="164601"/>
+            <a:off x="973207" y="4266235"/>
+            <a:ext cx="752885" cy="386744"/>
           </a:xfrm>
           <a:prstGeom prst="rect">
             <a:avLst/>
@@ -1584,7 +1423,7 @@
           <a:p>
             <a:pPr algn="ctr"/>
             <a:r>
-              <a:rPr lang="es-ES" sz="900" dirty="0" smtClean="0">
+              <a:rPr lang="es-ES" sz="900" dirty="0">
                 <a:solidFill>
                   <a:schemeClr val="tx1"/>
                 </a:solidFill>
@@ -1593,13 +1432,6 @@
               </a:rPr>
               <a:t>sentido</a:t>
             </a:r>
-            <a:endParaRPr lang="es-ES" sz="900" dirty="0">
-              <a:solidFill>
-                <a:schemeClr val="tx1"/>
-              </a:solidFill>
-              <a:latin typeface="Arial" panose="020B0604020202020204" pitchFamily="34" charset="0"/>
-              <a:cs typeface="Arial" panose="020B0604020202020204" pitchFamily="34" charset="0"/>
-            </a:endParaRPr>
           </a:p>
         </p:txBody>
       </p:sp>
@@ -1611,8 +1443,8 @@
         </p:nvSpPr>
         <p:spPr>
           <a:xfrm>
-            <a:off x="1955092" y="4274696"/>
-            <a:ext cx="708008" cy="163128"/>
+            <a:off x="1836052" y="4261367"/>
+            <a:ext cx="890010" cy="385881"/>
           </a:xfrm>
           <a:prstGeom prst="rect">
             <a:avLst/>
@@ -1644,7 +1476,7 @@
           <a:p>
             <a:pPr algn="ctr"/>
             <a:r>
-              <a:rPr lang="es-ES" sz="900" dirty="0" smtClean="0">
+              <a:rPr lang="es-ES" sz="900" dirty="0">
                 <a:solidFill>
                   <a:schemeClr val="tx1"/>
                 </a:solidFill>
@@ -1653,13 +1485,6 @@
               </a:rPr>
               <a:t>magnitud</a:t>
             </a:r>
-            <a:endParaRPr lang="es-ES" sz="900" dirty="0">
-              <a:solidFill>
-                <a:schemeClr val="tx1"/>
-              </a:solidFill>
-              <a:latin typeface="Arial" panose="020B0604020202020204" pitchFamily="34" charset="0"/>
-              <a:cs typeface="Arial" panose="020B0604020202020204" pitchFamily="34" charset="0"/>
-            </a:endParaRPr>
           </a:p>
         </p:txBody>
       </p:sp>
@@ -1671,8 +1496,8 @@
         </p:nvSpPr>
         <p:spPr>
           <a:xfrm>
-            <a:off x="1797699" y="4507953"/>
-            <a:ext cx="1117174" cy="215444"/>
+            <a:off x="1842148" y="4743298"/>
+            <a:ext cx="890010" cy="215444"/>
           </a:xfrm>
           <a:prstGeom prst="rect">
             <a:avLst/>
@@ -1687,16 +1512,12 @@
           <a:p>
             <a:pPr algn="ctr"/>
             <a:r>
-              <a:rPr lang="es-ES" sz="800" dirty="0" smtClean="0">
+              <a:rPr lang="es-ES" sz="800" dirty="0">
                 <a:latin typeface="Arial" panose="020B0604020202020204" pitchFamily="34" charset="0"/>
                 <a:cs typeface="Arial" panose="020B0604020202020204" pitchFamily="34" charset="0"/>
               </a:rPr>
               <a:t>corresponde a</a:t>
             </a:r>
-            <a:endParaRPr lang="es-ES" sz="800" dirty="0">
-              <a:latin typeface="Arial" panose="020B0604020202020204" pitchFamily="34" charset="0"/>
-              <a:cs typeface="Arial" panose="020B0604020202020204" pitchFamily="34" charset="0"/>
-            </a:endParaRPr>
           </a:p>
         </p:txBody>
       </p:sp>
@@ -1708,8 +1529,8 @@
         </p:nvSpPr>
         <p:spPr>
           <a:xfrm>
-            <a:off x="165726" y="4743497"/>
-            <a:ext cx="704520" cy="747237"/>
+            <a:off x="165726" y="5030010"/>
+            <a:ext cx="704520" cy="747236"/>
           </a:xfrm>
           <a:prstGeom prst="rect">
             <a:avLst/>
@@ -1743,42 +1564,15 @@
           <a:p>
             <a:pPr algn="ctr"/>
             <a:r>
-              <a:rPr lang="es-ES" sz="900" dirty="0" smtClean="0">
+              <a:rPr lang="es-ES" sz="900" dirty="0">
                 <a:solidFill>
                   <a:schemeClr val="tx1"/>
                 </a:solidFill>
                 <a:latin typeface="Arial" panose="020B0604020202020204" pitchFamily="34" charset="0"/>
                 <a:cs typeface="Arial" panose="020B0604020202020204" pitchFamily="34" charset="0"/>
               </a:rPr>
-              <a:t>horizontal </a:t>
+              <a:t>horizontal o vertical, arriba o abajo</a:t>
             </a:r>
-            <a:r>
-              <a:rPr lang="es-ES" sz="900" dirty="0" smtClean="0">
-                <a:solidFill>
-                  <a:schemeClr val="tx1"/>
-                </a:solidFill>
-                <a:latin typeface="Arial" panose="020B0604020202020204" pitchFamily="34" charset="0"/>
-                <a:cs typeface="Arial" panose="020B0604020202020204" pitchFamily="34" charset="0"/>
-              </a:rPr>
-              <a:t>o </a:t>
-            </a:r>
-            <a:r>
-              <a:rPr lang="es-ES" sz="900" dirty="0" smtClean="0">
-                <a:solidFill>
-                  <a:schemeClr val="tx1"/>
-                </a:solidFill>
-                <a:latin typeface="Arial" panose="020B0604020202020204" pitchFamily="34" charset="0"/>
-                <a:cs typeface="Arial" panose="020B0604020202020204" pitchFamily="34" charset="0"/>
-              </a:rPr>
-              <a:t>vertical, arriba o abajo</a:t>
-            </a:r>
-            <a:endParaRPr lang="es-ES" sz="900" dirty="0">
-              <a:solidFill>
-                <a:schemeClr val="tx1"/>
-              </a:solidFill>
-              <a:latin typeface="Arial" panose="020B0604020202020204" pitchFamily="34" charset="0"/>
-              <a:cs typeface="Arial" panose="020B0604020202020204" pitchFamily="34" charset="0"/>
-            </a:endParaRPr>
           </a:p>
         </p:txBody>
       </p:sp>
@@ -1790,8 +1584,8 @@
         </p:nvSpPr>
         <p:spPr>
           <a:xfrm>
-            <a:off x="143264" y="4467755"/>
-            <a:ext cx="796312" cy="215444"/>
+            <a:off x="165726" y="4736387"/>
+            <a:ext cx="709908" cy="215444"/>
           </a:xfrm>
           <a:prstGeom prst="rect">
             <a:avLst/>
@@ -1806,16 +1600,12 @@
           <a:p>
             <a:pPr algn="ctr"/>
             <a:r>
-              <a:rPr lang="es-ES" sz="800" dirty="0" smtClean="0">
+              <a:rPr lang="es-ES" sz="800" dirty="0">
                 <a:latin typeface="Arial" panose="020B0604020202020204" pitchFamily="34" charset="0"/>
                 <a:cs typeface="Arial" panose="020B0604020202020204" pitchFamily="34" charset="0"/>
               </a:rPr>
               <a:t>puede ser</a:t>
             </a:r>
-            <a:endParaRPr lang="es-ES" sz="800" dirty="0">
-              <a:latin typeface="Arial" panose="020B0604020202020204" pitchFamily="34" charset="0"/>
-              <a:cs typeface="Arial" panose="020B0604020202020204" pitchFamily="34" charset="0"/>
-            </a:endParaRPr>
           </a:p>
         </p:txBody>
       </p:sp>
@@ -1827,8 +1617,8 @@
         </p:nvSpPr>
         <p:spPr>
           <a:xfrm>
-            <a:off x="956376" y="4450937"/>
-            <a:ext cx="897271" cy="215444"/>
+            <a:off x="973207" y="4696197"/>
+            <a:ext cx="750386" cy="215444"/>
           </a:xfrm>
           <a:prstGeom prst="rect">
             <a:avLst/>
@@ -1843,16 +1633,12 @@
           <a:p>
             <a:pPr algn="ctr"/>
             <a:r>
-              <a:rPr lang="es-ES" sz="800" dirty="0" smtClean="0">
+              <a:rPr lang="es-ES" sz="800" dirty="0">
                 <a:latin typeface="Arial" panose="020B0604020202020204" pitchFamily="34" charset="0"/>
                 <a:cs typeface="Arial" panose="020B0604020202020204" pitchFamily="34" charset="0"/>
               </a:rPr>
               <a:t>hacia</a:t>
             </a:r>
-            <a:endParaRPr lang="es-ES" sz="800" dirty="0">
-              <a:latin typeface="Arial" panose="020B0604020202020204" pitchFamily="34" charset="0"/>
-              <a:cs typeface="Arial" panose="020B0604020202020204" pitchFamily="34" charset="0"/>
-            </a:endParaRPr>
           </a:p>
         </p:txBody>
       </p:sp>
@@ -1864,8 +1650,8 @@
         </p:nvSpPr>
         <p:spPr>
           <a:xfrm>
-            <a:off x="973207" y="4719575"/>
-            <a:ext cx="752885" cy="578936"/>
+            <a:off x="973207" y="5006086"/>
+            <a:ext cx="752885" cy="771159"/>
           </a:xfrm>
           <a:prstGeom prst="rect">
             <a:avLst/>
@@ -1898,16 +1684,6 @@
           <a:lstStyle/>
           <a:p>
             <a:pPr algn="ctr"/>
-            <a:r>
-              <a:rPr lang="es-ES" sz="900" dirty="0" smtClean="0">
-                <a:solidFill>
-                  <a:schemeClr val="tx1"/>
-                </a:solidFill>
-                <a:latin typeface="Arial" panose="020B0604020202020204" pitchFamily="34" charset="0"/>
-                <a:cs typeface="Arial" panose="020B0604020202020204" pitchFamily="34" charset="0"/>
-              </a:rPr>
-              <a:t>la </a:t>
-            </a:r>
             <a:r>
               <a:rPr lang="es-ES" sz="900" dirty="0">
                 <a:solidFill>
@@ -1916,20 +1692,10 @@
                 <a:latin typeface="Arial" panose="020B0604020202020204" pitchFamily="34" charset="0"/>
                 <a:cs typeface="Arial" panose="020B0604020202020204" pitchFamily="34" charset="0"/>
               </a:rPr>
-              <a:t>derecha o la</a:t>
-            </a:r>
-            <a:r>
-              <a:rPr lang="es-ES" sz="900" dirty="0" smtClean="0">
-                <a:solidFill>
-                  <a:schemeClr val="tx1"/>
-                </a:solidFill>
-                <a:latin typeface="Arial" panose="020B0604020202020204" pitchFamily="34" charset="0"/>
-                <a:cs typeface="Arial" panose="020B0604020202020204" pitchFamily="34" charset="0"/>
-              </a:rPr>
-              <a:t/>
+              <a:t>la derecha o la</a:t>
             </a:r>
             <a:br>
-              <a:rPr lang="es-ES" sz="900" dirty="0" smtClean="0">
+              <a:rPr lang="es-ES" sz="900" dirty="0">
                 <a:solidFill>
                   <a:schemeClr val="tx1"/>
                 </a:solidFill>
@@ -1938,7 +1704,7 @@
               </a:rPr>
             </a:br>
             <a:r>
-              <a:rPr lang="es-ES" sz="900" dirty="0" smtClean="0">
+              <a:rPr lang="es-ES" sz="900" dirty="0">
                 <a:solidFill>
                   <a:schemeClr val="tx1"/>
                 </a:solidFill>
@@ -1947,13 +1713,6 @@
               </a:rPr>
               <a:t>izquierda</a:t>
             </a:r>
-            <a:endParaRPr lang="es-ES" sz="900" dirty="0">
-              <a:solidFill>
-                <a:schemeClr val="tx1"/>
-              </a:solidFill>
-              <a:latin typeface="Arial" panose="020B0604020202020204" pitchFamily="34" charset="0"/>
-              <a:cs typeface="Arial" panose="020B0604020202020204" pitchFamily="34" charset="0"/>
-            </a:endParaRPr>
           </a:p>
         </p:txBody>
       </p:sp>
@@ -1965,8 +1724,8 @@
         </p:nvSpPr>
         <p:spPr>
           <a:xfrm>
-            <a:off x="1885686" y="4796822"/>
-            <a:ext cx="889144" cy="561031"/>
+            <a:off x="1849110" y="5036960"/>
+            <a:ext cx="876952" cy="740286"/>
           </a:xfrm>
           <a:prstGeom prst="rect">
             <a:avLst/>
@@ -2000,42 +1759,15 @@
           <a:p>
             <a:pPr algn="ctr"/>
             <a:r>
-              <a:rPr lang="es-ES" sz="900" dirty="0" smtClean="0">
+              <a:rPr lang="es-ES" sz="900" dirty="0">
                 <a:solidFill>
                   <a:schemeClr val="tx1"/>
                 </a:solidFill>
                 <a:latin typeface="Arial" panose="020B0604020202020204" pitchFamily="34" charset="0"/>
                 <a:cs typeface="Arial" panose="020B0604020202020204" pitchFamily="34" charset="0"/>
               </a:rPr>
-              <a:t>número </a:t>
+              <a:t>número de unidades que se desplaza la figura</a:t>
             </a:r>
-            <a:r>
-              <a:rPr lang="es-ES" sz="900" dirty="0" smtClean="0">
-                <a:solidFill>
-                  <a:schemeClr val="tx1"/>
-                </a:solidFill>
-                <a:latin typeface="Arial" panose="020B0604020202020204" pitchFamily="34" charset="0"/>
-                <a:cs typeface="Arial" panose="020B0604020202020204" pitchFamily="34" charset="0"/>
-              </a:rPr>
-              <a:t>de </a:t>
-            </a:r>
-            <a:r>
-              <a:rPr lang="es-ES" sz="900" dirty="0" smtClean="0">
-                <a:solidFill>
-                  <a:schemeClr val="tx1"/>
-                </a:solidFill>
-                <a:latin typeface="Arial" panose="020B0604020202020204" pitchFamily="34" charset="0"/>
-                <a:cs typeface="Arial" panose="020B0604020202020204" pitchFamily="34" charset="0"/>
-              </a:rPr>
-              <a:t>unidades que se desplaza la figura</a:t>
-            </a:r>
-            <a:endParaRPr lang="es-ES" sz="900" dirty="0">
-              <a:solidFill>
-                <a:schemeClr val="tx1"/>
-              </a:solidFill>
-              <a:latin typeface="Arial" panose="020B0604020202020204" pitchFamily="34" charset="0"/>
-              <a:cs typeface="Arial" panose="020B0604020202020204" pitchFamily="34" charset="0"/>
-            </a:endParaRPr>
           </a:p>
         </p:txBody>
       </p:sp>
@@ -2084,7 +1816,7 @@
           <a:p>
             <a:pPr algn="ctr"/>
             <a:r>
-              <a:rPr lang="es-ES" sz="900" dirty="0" smtClean="0">
+              <a:rPr lang="es-ES" sz="900" dirty="0">
                 <a:solidFill>
                   <a:schemeClr val="tx1"/>
                 </a:solidFill>
@@ -2093,272 +1825,221 @@
               </a:rPr>
               <a:t>giros alrededor de un punto fijo</a:t>
             </a:r>
-            <a:endParaRPr lang="es-ES" sz="900" dirty="0">
-              <a:solidFill>
-                <a:schemeClr val="tx1"/>
-              </a:solidFill>
-              <a:latin typeface="Arial" panose="020B0604020202020204" pitchFamily="34" charset="0"/>
-              <a:cs typeface="Arial" panose="020B0604020202020204" pitchFamily="34" charset="0"/>
-            </a:endParaRPr>
           </a:p>
         </p:txBody>
       </p:sp>
-      <p:grpSp>
-        <p:nvGrpSpPr>
-          <p:cNvPr id="50" name="49 Grupo"/>
-          <p:cNvGrpSpPr/>
-          <p:nvPr/>
-        </p:nvGrpSpPr>
-        <p:grpSpPr>
+      <p:sp>
+        <p:nvSpPr>
+          <p:cNvPr id="157" name="Rectángulo 156" descr="Nodo de cuarto nivel&#10;" title="Nodo04"/>
+          <p:cNvSpPr/>
+          <p:nvPr/>
+        </p:nvSpPr>
+        <p:spPr>
           <a:xfrm>
-            <a:off x="3106041" y="4266140"/>
-            <a:ext cx="1856568" cy="1533755"/>
-            <a:chOff x="3271296" y="2703184"/>
-            <a:chExt cx="1856568" cy="1533755"/>
-          </a:xfrm>
+            <a:off x="2914873" y="5036959"/>
+            <a:ext cx="988528" cy="759455"/>
+          </a:xfrm>
+          <a:prstGeom prst="rect">
+            <a:avLst/>
+          </a:prstGeom>
           <a:noFill/>
-        </p:grpSpPr>
-        <p:sp>
-          <p:nvSpPr>
-            <p:cNvPr id="157" name="Rectángulo 156" descr="Nodo de cuarto nivel&#10;" title="Nodo04"/>
-            <p:cNvSpPr/>
-            <p:nvPr/>
-          </p:nvSpPr>
-          <p:spPr>
-            <a:xfrm>
-              <a:off x="3271296" y="3337453"/>
-              <a:ext cx="797360" cy="899486"/>
-            </a:xfrm>
-            <a:prstGeom prst="rect">
-              <a:avLst/>
-            </a:prstGeom>
-            <a:grpFill/>
-            <a:ln>
-              <a:solidFill>
-                <a:schemeClr val="tx1"/>
-              </a:solidFill>
-            </a:ln>
-          </p:spPr>
-          <p:style>
-            <a:lnRef idx="2">
-              <a:schemeClr val="accent6"/>
-            </a:lnRef>
-            <a:fillRef idx="1">
-              <a:schemeClr val="lt1"/>
-            </a:fillRef>
-            <a:effectRef idx="0">
-              <a:schemeClr val="accent6"/>
-            </a:effectRef>
-            <a:fontRef idx="minor">
-              <a:schemeClr val="dk1"/>
-            </a:fontRef>
-          </p:style>
-          <p:txBody>
-            <a:bodyPr rtlCol="0" anchor="ctr"/>
-            <a:lstStyle/>
-            <a:p>
-              <a:pPr algn="ctr"/>
-              <a:r>
-                <a:rPr lang="es-ES" sz="900" dirty="0" smtClean="0">
-                  <a:solidFill>
-                    <a:schemeClr val="tx1"/>
-                  </a:solidFill>
-                  <a:latin typeface="Arial" panose="020B0604020202020204" pitchFamily="34" charset="0"/>
-                  <a:cs typeface="Arial" panose="020B0604020202020204" pitchFamily="34" charset="0"/>
-                </a:rPr>
-                <a:t>un punto exterior, interior o en el borde de la figura</a:t>
-              </a:r>
-              <a:endParaRPr lang="es-ES" sz="900" dirty="0">
+          <a:ln>
+            <a:solidFill>
+              <a:schemeClr val="tx1"/>
+            </a:solidFill>
+          </a:ln>
+        </p:spPr>
+        <p:style>
+          <a:lnRef idx="2">
+            <a:schemeClr val="accent6"/>
+          </a:lnRef>
+          <a:fillRef idx="1">
+            <a:schemeClr val="lt1"/>
+          </a:fillRef>
+          <a:effectRef idx="0">
+            <a:schemeClr val="accent6"/>
+          </a:effectRef>
+          <a:fontRef idx="minor">
+            <a:schemeClr val="dk1"/>
+          </a:fontRef>
+        </p:style>
+        <p:txBody>
+          <a:bodyPr rtlCol="0" anchor="ctr"/>
+          <a:lstStyle/>
+          <a:p>
+            <a:pPr algn="ctr"/>
+            <a:r>
+              <a:rPr lang="es-ES" sz="900" dirty="0">
                 <a:solidFill>
                   <a:schemeClr val="tx1"/>
                 </a:solidFill>
                 <a:latin typeface="Arial" panose="020B0604020202020204" pitchFamily="34" charset="0"/>
                 <a:cs typeface="Arial" panose="020B0604020202020204" pitchFamily="34" charset="0"/>
-              </a:endParaRPr>
-            </a:p>
-          </p:txBody>
-        </p:sp>
-        <p:sp>
-          <p:nvSpPr>
-            <p:cNvPr id="163" name="Rectángulo 162" descr="Nodo de tercer nivel" title="Nodo03"/>
-            <p:cNvSpPr/>
-            <p:nvPr/>
-          </p:nvSpPr>
-          <p:spPr>
-            <a:xfrm>
-              <a:off x="3334643" y="2707732"/>
-              <a:ext cx="670666" cy="301008"/>
-            </a:xfrm>
-            <a:prstGeom prst="rect">
-              <a:avLst/>
-            </a:prstGeom>
-            <a:grpFill/>
-            <a:ln>
-              <a:solidFill>
-                <a:schemeClr val="tx1"/>
-              </a:solidFill>
-            </a:ln>
-          </p:spPr>
-          <p:style>
-            <a:lnRef idx="2">
-              <a:schemeClr val="accent6"/>
-            </a:lnRef>
-            <a:fillRef idx="1">
-              <a:schemeClr val="lt1"/>
-            </a:fillRef>
-            <a:effectRef idx="0">
-              <a:schemeClr val="accent6"/>
-            </a:effectRef>
-            <a:fontRef idx="minor">
-              <a:schemeClr val="dk1"/>
-            </a:fontRef>
-          </p:style>
-          <p:txBody>
-            <a:bodyPr rtlCol="0" anchor="ctr"/>
-            <a:lstStyle/>
-            <a:p>
-              <a:pPr algn="ctr"/>
-              <a:r>
-                <a:rPr lang="es-ES" sz="900" dirty="0" smtClean="0">
-                  <a:solidFill>
-                    <a:schemeClr val="tx1"/>
-                  </a:solidFill>
-                  <a:latin typeface="Arial" panose="020B0604020202020204" pitchFamily="34" charset="0"/>
-                  <a:cs typeface="Arial" panose="020B0604020202020204" pitchFamily="34" charset="0"/>
-                </a:rPr>
-                <a:t>centro de rotación</a:t>
-              </a:r>
-              <a:endParaRPr lang="es-ES" sz="900" dirty="0">
+              </a:rPr>
+              <a:t>un punto exterior, interior o en el borde de la figura</a:t>
+            </a:r>
+          </a:p>
+        </p:txBody>
+      </p:sp>
+      <p:sp>
+        <p:nvSpPr>
+          <p:cNvPr id="163" name="Rectángulo 162" descr="Nodo de tercer nivel" title="Nodo03"/>
+          <p:cNvSpPr/>
+          <p:nvPr/>
+        </p:nvSpPr>
+        <p:spPr>
+          <a:xfrm>
+            <a:off x="2911585" y="4267381"/>
+            <a:ext cx="991387" cy="379867"/>
+          </a:xfrm>
+          <a:prstGeom prst="rect">
+            <a:avLst/>
+          </a:prstGeom>
+          <a:noFill/>
+          <a:ln>
+            <a:solidFill>
+              <a:schemeClr val="tx1"/>
+            </a:solidFill>
+          </a:ln>
+        </p:spPr>
+        <p:style>
+          <a:lnRef idx="2">
+            <a:schemeClr val="accent6"/>
+          </a:lnRef>
+          <a:fillRef idx="1">
+            <a:schemeClr val="lt1"/>
+          </a:fillRef>
+          <a:effectRef idx="0">
+            <a:schemeClr val="accent6"/>
+          </a:effectRef>
+          <a:fontRef idx="minor">
+            <a:schemeClr val="dk1"/>
+          </a:fontRef>
+        </p:style>
+        <p:txBody>
+          <a:bodyPr rtlCol="0" anchor="ctr"/>
+          <a:lstStyle/>
+          <a:p>
+            <a:pPr algn="ctr"/>
+            <a:r>
+              <a:rPr lang="es-ES" sz="900" dirty="0">
                 <a:solidFill>
                   <a:schemeClr val="tx1"/>
                 </a:solidFill>
                 <a:latin typeface="Arial" panose="020B0604020202020204" pitchFamily="34" charset="0"/>
                 <a:cs typeface="Arial" panose="020B0604020202020204" pitchFamily="34" charset="0"/>
-              </a:endParaRPr>
-            </a:p>
-          </p:txBody>
-        </p:sp>
-        <p:sp>
-          <p:nvSpPr>
-            <p:cNvPr id="164" name="Rectángulo 163" descr="Nodo de tercer nivel" title="Nodo03"/>
-            <p:cNvSpPr/>
-            <p:nvPr/>
-          </p:nvSpPr>
-          <p:spPr>
-            <a:xfrm>
-              <a:off x="4342041" y="2703184"/>
-              <a:ext cx="589228" cy="343441"/>
-            </a:xfrm>
-            <a:prstGeom prst="rect">
-              <a:avLst/>
-            </a:prstGeom>
-            <a:grpFill/>
-            <a:ln>
-              <a:solidFill>
-                <a:schemeClr val="tx1"/>
-              </a:solidFill>
-            </a:ln>
-          </p:spPr>
-          <p:style>
-            <a:lnRef idx="2">
-              <a:schemeClr val="accent6"/>
-            </a:lnRef>
-            <a:fillRef idx="1">
-              <a:schemeClr val="lt1"/>
-            </a:fillRef>
-            <a:effectRef idx="0">
-              <a:schemeClr val="accent6"/>
-            </a:effectRef>
-            <a:fontRef idx="minor">
-              <a:schemeClr val="dk1"/>
-            </a:fontRef>
-          </p:style>
-          <p:txBody>
-            <a:bodyPr rtlCol="0" anchor="ctr"/>
-            <a:lstStyle/>
-            <a:p>
-              <a:pPr algn="ctr"/>
-              <a:r>
-                <a:rPr lang="es-ES" sz="900" dirty="0" smtClean="0">
-                  <a:solidFill>
-                    <a:schemeClr val="tx1"/>
-                  </a:solidFill>
-                  <a:latin typeface="Arial" panose="020B0604020202020204" pitchFamily="34" charset="0"/>
-                  <a:cs typeface="Arial" panose="020B0604020202020204" pitchFamily="34" charset="0"/>
-                </a:rPr>
-                <a:t>ángulo de giro</a:t>
-              </a:r>
-              <a:endParaRPr lang="es-ES" sz="900" dirty="0">
+              </a:rPr>
+              <a:t>centro de rotación</a:t>
+            </a:r>
+          </a:p>
+        </p:txBody>
+      </p:sp>
+      <p:sp>
+        <p:nvSpPr>
+          <p:cNvPr id="164" name="Rectángulo 163" descr="Nodo de tercer nivel" title="Nodo03"/>
+          <p:cNvSpPr/>
+          <p:nvPr/>
+        </p:nvSpPr>
+        <p:spPr>
+          <a:xfrm>
+            <a:off x="4004561" y="4267381"/>
+            <a:ext cx="1003459" cy="379868"/>
+          </a:xfrm>
+          <a:prstGeom prst="rect">
+            <a:avLst/>
+          </a:prstGeom>
+          <a:noFill/>
+          <a:ln>
+            <a:solidFill>
+              <a:schemeClr val="tx1"/>
+            </a:solidFill>
+          </a:ln>
+        </p:spPr>
+        <p:style>
+          <a:lnRef idx="2">
+            <a:schemeClr val="accent6"/>
+          </a:lnRef>
+          <a:fillRef idx="1">
+            <a:schemeClr val="lt1"/>
+          </a:fillRef>
+          <a:effectRef idx="0">
+            <a:schemeClr val="accent6"/>
+          </a:effectRef>
+          <a:fontRef idx="minor">
+            <a:schemeClr val="dk1"/>
+          </a:fontRef>
+        </p:style>
+        <p:txBody>
+          <a:bodyPr rtlCol="0" anchor="ctr"/>
+          <a:lstStyle/>
+          <a:p>
+            <a:pPr algn="ctr"/>
+            <a:r>
+              <a:rPr lang="es-ES" sz="900" dirty="0">
                 <a:solidFill>
                   <a:schemeClr val="tx1"/>
                 </a:solidFill>
                 <a:latin typeface="Arial" panose="020B0604020202020204" pitchFamily="34" charset="0"/>
                 <a:cs typeface="Arial" panose="020B0604020202020204" pitchFamily="34" charset="0"/>
-              </a:endParaRPr>
-            </a:p>
-          </p:txBody>
-        </p:sp>
-        <p:sp>
-          <p:nvSpPr>
-            <p:cNvPr id="177" name="Rectángulo 176" descr="Nodo de cuarto nivel&#10;" title="Nodo04"/>
-            <p:cNvSpPr/>
-            <p:nvPr/>
-          </p:nvSpPr>
-          <p:spPr>
-            <a:xfrm>
-              <a:off x="4338796" y="3364276"/>
-              <a:ext cx="789068" cy="608291"/>
-            </a:xfrm>
-            <a:prstGeom prst="rect">
-              <a:avLst/>
-            </a:prstGeom>
-            <a:grpFill/>
-            <a:ln>
-              <a:solidFill>
-                <a:schemeClr val="tx1"/>
-              </a:solidFill>
-            </a:ln>
-          </p:spPr>
-          <p:style>
-            <a:lnRef idx="2">
-              <a:schemeClr val="accent6"/>
-            </a:lnRef>
-            <a:fillRef idx="1">
-              <a:schemeClr val="lt1"/>
-            </a:fillRef>
-            <a:effectRef idx="0">
-              <a:schemeClr val="accent6"/>
-            </a:effectRef>
-            <a:fontRef idx="minor">
-              <a:schemeClr val="dk1"/>
-            </a:fontRef>
-          </p:style>
-          <p:txBody>
-            <a:bodyPr rtlCol="0" anchor="ctr"/>
-            <a:lstStyle/>
-            <a:p>
-              <a:pPr algn="ctr"/>
-              <a:r>
-                <a:rPr lang="es-ES" sz="900" dirty="0" smtClean="0">
-                  <a:solidFill>
-                    <a:schemeClr val="tx1"/>
-                  </a:solidFill>
-                  <a:latin typeface="Arial" panose="020B0604020202020204" pitchFamily="34" charset="0"/>
-                  <a:cs typeface="Arial" panose="020B0604020202020204" pitchFamily="34" charset="0"/>
-                </a:rPr>
-                <a:t>la amplitud del movimiento en el plano</a:t>
-              </a:r>
-              <a:endParaRPr lang="es-ES" sz="900" dirty="0">
+              </a:rPr>
+              <a:t>ángulo de giro</a:t>
+            </a:r>
+          </a:p>
+        </p:txBody>
+      </p:sp>
+      <p:sp>
+        <p:nvSpPr>
+          <p:cNvPr id="177" name="Rectángulo 176" descr="Nodo de cuarto nivel&#10;" title="Nodo04"/>
+          <p:cNvSpPr/>
+          <p:nvPr/>
+        </p:nvSpPr>
+        <p:spPr>
+          <a:xfrm>
+            <a:off x="4004561" y="5036960"/>
+            <a:ext cx="997714" cy="759454"/>
+          </a:xfrm>
+          <a:prstGeom prst="rect">
+            <a:avLst/>
+          </a:prstGeom>
+          <a:noFill/>
+          <a:ln>
+            <a:solidFill>
+              <a:schemeClr val="tx1"/>
+            </a:solidFill>
+          </a:ln>
+        </p:spPr>
+        <p:style>
+          <a:lnRef idx="2">
+            <a:schemeClr val="accent6"/>
+          </a:lnRef>
+          <a:fillRef idx="1">
+            <a:schemeClr val="lt1"/>
+          </a:fillRef>
+          <a:effectRef idx="0">
+            <a:schemeClr val="accent6"/>
+          </a:effectRef>
+          <a:fontRef idx="minor">
+            <a:schemeClr val="dk1"/>
+          </a:fontRef>
+        </p:style>
+        <p:txBody>
+          <a:bodyPr rtlCol="0" anchor="ctr"/>
+          <a:lstStyle/>
+          <a:p>
+            <a:pPr algn="ctr"/>
+            <a:r>
+              <a:rPr lang="es-ES" sz="900" dirty="0">
                 <a:solidFill>
                   <a:schemeClr val="tx1"/>
                 </a:solidFill>
                 <a:latin typeface="Arial" panose="020B0604020202020204" pitchFamily="34" charset="0"/>
                 <a:cs typeface="Arial" panose="020B0604020202020204" pitchFamily="34" charset="0"/>
-              </a:endParaRPr>
-            </a:p>
-          </p:txBody>
-        </p:sp>
-      </p:grpSp>
+              </a:rPr>
+              <a:t>la amplitud del movimiento en el plano</a:t>
+            </a:r>
+          </a:p>
+        </p:txBody>
+      </p:sp>
       <p:sp>
         <p:nvSpPr>
           <p:cNvPr id="181" name="Rectángulo 180" descr="Nodo de primer nivel" title="Nodo01"/>
@@ -2367,8 +2048,8 @@
         </p:nvSpPr>
         <p:spPr>
           <a:xfrm>
-            <a:off x="7297235" y="2610308"/>
-            <a:ext cx="1124746" cy="284400"/>
+            <a:off x="6972538" y="2610308"/>
+            <a:ext cx="1333712" cy="284400"/>
           </a:xfrm>
           <a:prstGeom prst="rect">
             <a:avLst/>
@@ -2400,7 +2081,7 @@
           <a:p>
             <a:pPr algn="ctr"/>
             <a:r>
-              <a:rPr lang="es-ES" sz="1050" dirty="0" smtClean="0">
+              <a:rPr lang="es-ES" sz="1050" dirty="0">
                 <a:solidFill>
                   <a:schemeClr val="bg1"/>
                 </a:solidFill>
@@ -2409,13 +2090,6 @@
               </a:rPr>
               <a:t>las simetrías</a:t>
             </a:r>
-            <a:endParaRPr lang="es-ES" sz="1050" dirty="0">
-              <a:solidFill>
-                <a:schemeClr val="bg1"/>
-              </a:solidFill>
-              <a:latin typeface="Arial" panose="020B0604020202020204" pitchFamily="34" charset="0"/>
-              <a:cs typeface="Arial" panose="020B0604020202020204" pitchFamily="34" charset="0"/>
-            </a:endParaRPr>
           </a:p>
         </p:txBody>
       </p:sp>
@@ -2427,8 +2101,8 @@
         </p:nvSpPr>
         <p:spPr>
           <a:xfrm>
-            <a:off x="5082753" y="3316430"/>
-            <a:ext cx="1282676" cy="569026"/>
+            <a:off x="5194060" y="3292985"/>
+            <a:ext cx="1060063" cy="569026"/>
           </a:xfrm>
           <a:prstGeom prst="rect">
             <a:avLst/>
@@ -2464,7 +2138,7 @@
           <a:p>
             <a:pPr algn="ctr"/>
             <a:r>
-              <a:rPr lang="es-ES" sz="900" dirty="0" smtClean="0">
+              <a:rPr lang="es-ES" sz="900" dirty="0">
                 <a:solidFill>
                   <a:schemeClr val="tx1"/>
                 </a:solidFill>
@@ -2473,26 +2147,22 @@
               </a:rPr>
               <a:t>movimientos de figuras en el plano alrededor de un eje</a:t>
             </a:r>
-            <a:endParaRPr lang="es-ES" sz="900" dirty="0">
-              <a:solidFill>
-                <a:schemeClr val="tx1"/>
-              </a:solidFill>
-              <a:latin typeface="Arial" panose="020B0604020202020204" pitchFamily="34" charset="0"/>
-              <a:cs typeface="Arial" panose="020B0604020202020204" pitchFamily="34" charset="0"/>
-            </a:endParaRPr>
           </a:p>
         </p:txBody>
       </p:sp>
       <p:cxnSp>
         <p:nvCxnSpPr>
           <p:cNvPr id="213" name="Conector angular 212"/>
-          <p:cNvCxnSpPr/>
+          <p:cNvCxnSpPr>
+            <a:stCxn id="135" idx="0"/>
+            <a:endCxn id="121" idx="2"/>
+          </p:cNvCxnSpPr>
           <p:nvPr/>
         </p:nvCxnSpPr>
         <p:spPr>
-          <a:xfrm rot="16200000" flipV="1">
-            <a:off x="488963" y="4467541"/>
-            <a:ext cx="72000" cy="0"/>
+          <a:xfrm rot="5400000" flipH="1" flipV="1">
+            <a:off x="477422" y="4690505"/>
+            <a:ext cx="89140" cy="2625"/>
           </a:xfrm>
           <a:prstGeom prst="bentConnector3">
             <a:avLst>
@@ -2544,16 +2214,12 @@
           <a:p>
             <a:pPr algn="ctr"/>
             <a:r>
-              <a:rPr lang="es-ES" sz="900" dirty="0" smtClean="0">
+              <a:rPr lang="es-ES" sz="900" dirty="0">
                 <a:latin typeface="Arial" panose="020B0604020202020204" pitchFamily="34" charset="0"/>
                 <a:cs typeface="Arial" panose="020B0604020202020204" pitchFamily="34" charset="0"/>
               </a:rPr>
               <a:t>se clasifican en</a:t>
             </a:r>
-            <a:endParaRPr lang="es-ES" sz="900" dirty="0">
-              <a:latin typeface="Arial" panose="020B0604020202020204" pitchFamily="34" charset="0"/>
-              <a:cs typeface="Arial" panose="020B0604020202020204" pitchFamily="34" charset="0"/>
-            </a:endParaRPr>
           </a:p>
         </p:txBody>
       </p:sp>
@@ -2565,7 +2231,7 @@
         </p:nvSpPr>
         <p:spPr>
           <a:xfrm>
-            <a:off x="2405532" y="1166683"/>
+            <a:off x="2551836" y="1166683"/>
             <a:ext cx="3198166" cy="801399"/>
           </a:xfrm>
           <a:prstGeom prst="rect">
@@ -2607,16 +2273,12 @@
           <a:p>
             <a:pPr algn="ctr"/>
             <a:r>
-              <a:rPr lang="es-ES" sz="1200" b="1" dirty="0" smtClean="0">
+              <a:rPr lang="es-ES" sz="1200" b="1" dirty="0">
                 <a:latin typeface="Arial" panose="020B0604020202020204" pitchFamily="34" charset="0"/>
                 <a:cs typeface="Arial" panose="020B0604020202020204" pitchFamily="34" charset="0"/>
               </a:rPr>
               <a:t>Movimientos a las figuras u objetos, en donde los atributos de forma y tamaño siempre se conservan </a:t>
             </a:r>
-            <a:endParaRPr lang="es-ES" sz="1200" b="1" dirty="0">
-              <a:latin typeface="Arial" panose="020B0604020202020204" pitchFamily="34" charset="0"/>
-              <a:cs typeface="Arial" panose="020B0604020202020204" pitchFamily="34" charset="0"/>
-            </a:endParaRPr>
           </a:p>
         </p:txBody>
       </p:sp>
@@ -2644,16 +2306,12 @@
           <a:p>
             <a:pPr algn="ctr"/>
             <a:r>
-              <a:rPr lang="es-ES" sz="900" dirty="0" smtClean="0">
+              <a:rPr lang="es-ES" sz="900" dirty="0">
                 <a:latin typeface="Arial" panose="020B0604020202020204" pitchFamily="34" charset="0"/>
                 <a:cs typeface="Arial" panose="020B0604020202020204" pitchFamily="34" charset="0"/>
               </a:rPr>
               <a:t>son</a:t>
             </a:r>
-            <a:endParaRPr lang="es-ES" sz="900" dirty="0">
-              <a:latin typeface="Arial" panose="020B0604020202020204" pitchFamily="34" charset="0"/>
-              <a:cs typeface="Arial" panose="020B0604020202020204" pitchFamily="34" charset="0"/>
-            </a:endParaRPr>
           </a:p>
         </p:txBody>
       </p:sp>
@@ -2697,17 +2355,20 @@
       <p:cxnSp>
         <p:nvCxnSpPr>
           <p:cNvPr id="110" name="Conector angular 218"/>
-          <p:cNvCxnSpPr/>
+          <p:cNvCxnSpPr>
+            <a:stCxn id="80" idx="2"/>
+            <a:endCxn id="216" idx="0"/>
+          </p:cNvCxnSpPr>
           <p:nvPr/>
         </p:nvCxnSpPr>
         <p:spPr>
-          <a:xfrm rot="16200000" flipH="1">
-            <a:off x="3792609" y="2552039"/>
-            <a:ext cx="143914" cy="2348"/>
+          <a:xfrm rot="5400000">
+            <a:off x="3862877" y="2320522"/>
+            <a:ext cx="250038" cy="328913"/>
           </a:xfrm>
           <a:prstGeom prst="bentConnector3">
             <a:avLst>
-              <a:gd name="adj1" fmla="val 84911"/>
+              <a:gd name="adj1" fmla="val 50000"/>
             </a:avLst>
           </a:prstGeom>
           <a:ln w="12700">
@@ -2766,17 +2427,20 @@
       <p:cxnSp>
         <p:nvCxnSpPr>
           <p:cNvPr id="145" name="Conector angular 212"/>
-          <p:cNvCxnSpPr/>
+          <p:cNvCxnSpPr>
+            <a:stCxn id="73" idx="0"/>
+            <a:endCxn id="135" idx="2"/>
+          </p:cNvCxnSpPr>
           <p:nvPr/>
         </p:nvCxnSpPr>
         <p:spPr>
-          <a:xfrm rot="16200000" flipV="1">
-            <a:off x="501031" y="4701216"/>
-            <a:ext cx="72000" cy="0"/>
+          <a:xfrm rot="5400000" flipH="1" flipV="1">
+            <a:off x="480244" y="4989574"/>
+            <a:ext cx="78179" cy="2694"/>
           </a:xfrm>
           <a:prstGeom prst="bentConnector3">
             <a:avLst>
-              <a:gd name="adj1" fmla="val 8131"/>
+              <a:gd name="adj1" fmla="val 50000"/>
             </a:avLst>
           </a:prstGeom>
           <a:ln w="12700">
@@ -2803,17 +2467,20 @@
       <p:cxnSp>
         <p:nvCxnSpPr>
           <p:cNvPr id="150" name="Conector angular 212"/>
-          <p:cNvCxnSpPr/>
+          <p:cNvCxnSpPr>
+            <a:stCxn id="144" idx="0"/>
+            <a:endCxn id="136" idx="2"/>
+          </p:cNvCxnSpPr>
           <p:nvPr/>
         </p:nvCxnSpPr>
         <p:spPr>
           <a:xfrm rot="16200000" flipV="1">
-            <a:off x="1332637" y="4654259"/>
-            <a:ext cx="72000" cy="0"/>
+            <a:off x="1301803" y="4958239"/>
+            <a:ext cx="94445" cy="1250"/>
           </a:xfrm>
           <a:prstGeom prst="bentConnector3">
             <a:avLst>
-              <a:gd name="adj1" fmla="val -19781"/>
+              <a:gd name="adj1" fmla="val 50000"/>
             </a:avLst>
           </a:prstGeom>
           <a:ln w="12700">
@@ -2840,13 +2507,16 @@
       <p:cxnSp>
         <p:nvCxnSpPr>
           <p:cNvPr id="151" name="Conector angular 212"/>
-          <p:cNvCxnSpPr/>
+          <p:cNvCxnSpPr>
+            <a:stCxn id="136" idx="0"/>
+            <a:endCxn id="122" idx="2"/>
+          </p:cNvCxnSpPr>
           <p:nvPr/>
         </p:nvCxnSpPr>
         <p:spPr>
-          <a:xfrm rot="16200000" flipV="1">
-            <a:off x="1339711" y="4467541"/>
-            <a:ext cx="72000" cy="0"/>
+          <a:xfrm rot="5400000" flipH="1" flipV="1">
+            <a:off x="1327416" y="4673963"/>
+            <a:ext cx="43218" cy="1250"/>
           </a:xfrm>
           <a:prstGeom prst="bentConnector3">
             <a:avLst>
@@ -2877,17 +2547,20 @@
       <p:cxnSp>
         <p:nvCxnSpPr>
           <p:cNvPr id="166" name="Conector angular 212"/>
-          <p:cNvCxnSpPr/>
+          <p:cNvCxnSpPr>
+            <a:stCxn id="123" idx="2"/>
+            <a:endCxn id="138" idx="0"/>
+          </p:cNvCxnSpPr>
           <p:nvPr/>
         </p:nvCxnSpPr>
         <p:spPr>
-          <a:xfrm rot="16200000" flipV="1">
-            <a:off x="2326756" y="4522659"/>
-            <a:ext cx="72000" cy="0"/>
+          <a:xfrm rot="16200000" flipH="1">
+            <a:off x="2236080" y="4692225"/>
+            <a:ext cx="96050" cy="6096"/>
           </a:xfrm>
           <a:prstGeom prst="bentConnector3">
             <a:avLst>
-              <a:gd name="adj1" fmla="val 161649"/>
+              <a:gd name="adj1" fmla="val 50000"/>
             </a:avLst>
           </a:prstGeom>
           <a:ln w="12700">
@@ -2914,17 +2587,20 @@
       <p:cxnSp>
         <p:nvCxnSpPr>
           <p:cNvPr id="167" name="Conector angular 212"/>
-          <p:cNvCxnSpPr/>
+          <p:cNvCxnSpPr>
+            <a:stCxn id="149" idx="0"/>
+            <a:endCxn id="138" idx="2"/>
+          </p:cNvCxnSpPr>
           <p:nvPr/>
         </p:nvCxnSpPr>
         <p:spPr>
           <a:xfrm rot="16200000" flipV="1">
-            <a:off x="2320286" y="4762543"/>
-            <a:ext cx="72000" cy="0"/>
+            <a:off x="2248261" y="4997634"/>
+            <a:ext cx="78218" cy="433"/>
           </a:xfrm>
           <a:prstGeom prst="bentConnector3">
             <a:avLst>
-              <a:gd name="adj1" fmla="val 161649"/>
+              <a:gd name="adj1" fmla="val 50000"/>
             </a:avLst>
           </a:prstGeom>
           <a:ln w="12700">
@@ -2972,33 +2648,32 @@
           <a:p>
             <a:pPr algn="ctr"/>
             <a:r>
-              <a:rPr lang="es-ES" sz="900" dirty="0" smtClean="0">
+              <a:rPr lang="es-ES" sz="900" dirty="0">
                 <a:latin typeface="Arial" panose="020B0604020202020204" pitchFamily="34" charset="0"/>
                 <a:cs typeface="Arial" panose="020B0604020202020204" pitchFamily="34" charset="0"/>
               </a:rPr>
               <a:t>son</a:t>
             </a:r>
-            <a:endParaRPr lang="es-ES" sz="900" dirty="0">
-              <a:latin typeface="Arial" panose="020B0604020202020204" pitchFamily="34" charset="0"/>
-              <a:cs typeface="Arial" panose="020B0604020202020204" pitchFamily="34" charset="0"/>
-            </a:endParaRPr>
           </a:p>
         </p:txBody>
       </p:sp>
       <p:cxnSp>
         <p:nvCxnSpPr>
           <p:cNvPr id="171" name="Conector angular 337"/>
-          <p:cNvCxnSpPr/>
+          <p:cNvCxnSpPr>
+            <a:stCxn id="5" idx="2"/>
+            <a:endCxn id="19" idx="0"/>
+          </p:cNvCxnSpPr>
           <p:nvPr/>
         </p:nvCxnSpPr>
         <p:spPr>
           <a:xfrm rot="16200000" flipH="1">
-            <a:off x="1332184" y="2972983"/>
-            <a:ext cx="85581" cy="2348"/>
+            <a:off x="1355478" y="2938556"/>
+            <a:ext cx="91302" cy="1"/>
           </a:xfrm>
           <a:prstGeom prst="bentConnector3">
             <a:avLst>
-              <a:gd name="adj1" fmla="val 110312"/>
+              <a:gd name="adj1" fmla="val 50000"/>
             </a:avLst>
           </a:prstGeom>
           <a:ln w="12700">
@@ -3062,8 +2737,8 @@
         </p:nvSpPr>
         <p:spPr>
           <a:xfrm>
-            <a:off x="3157220" y="4636370"/>
-            <a:ext cx="703543" cy="215444"/>
+            <a:off x="2914445" y="4733906"/>
+            <a:ext cx="988527" cy="215444"/>
           </a:xfrm>
           <a:prstGeom prst="rect">
             <a:avLst/>
@@ -3078,16 +2753,12 @@
           <a:p>
             <a:pPr algn="ctr"/>
             <a:r>
-              <a:rPr lang="es-ES" sz="800" dirty="0" smtClean="0">
+              <a:rPr lang="es-ES" sz="800" dirty="0">
                 <a:latin typeface="Arial" panose="020B0604020202020204" pitchFamily="34" charset="0"/>
                 <a:cs typeface="Arial" panose="020B0604020202020204" pitchFamily="34" charset="0"/>
               </a:rPr>
               <a:t>puede ser</a:t>
             </a:r>
-            <a:endParaRPr lang="es-ES" sz="800" dirty="0">
-              <a:latin typeface="Arial" panose="020B0604020202020204" pitchFamily="34" charset="0"/>
-              <a:cs typeface="Arial" panose="020B0604020202020204" pitchFamily="34" charset="0"/>
-            </a:endParaRPr>
           </a:p>
         </p:txBody>
       </p:sp>
@@ -3099,8 +2770,8 @@
         </p:nvSpPr>
         <p:spPr>
           <a:xfrm>
-            <a:off x="4004561" y="5868858"/>
-            <a:ext cx="1204931" cy="406760"/>
+            <a:off x="3948372" y="6159903"/>
+            <a:ext cx="1104090" cy="614802"/>
           </a:xfrm>
           <a:prstGeom prst="rect">
             <a:avLst/>
@@ -3132,7 +2803,7 @@
           <a:p>
             <a:pPr algn="ctr"/>
             <a:r>
-              <a:rPr lang="es-ES" sz="900" dirty="0" smtClean="0">
+              <a:rPr lang="es-ES" sz="900" dirty="0">
                 <a:solidFill>
                   <a:schemeClr val="tx1"/>
                 </a:solidFill>
@@ -3141,13 +2812,6 @@
               </a:rPr>
               <a:t>en sentido de las manecillas reloj o en sentido contrario</a:t>
             </a:r>
-            <a:endParaRPr lang="es-ES" sz="900" dirty="0">
-              <a:solidFill>
-                <a:schemeClr val="tx1"/>
-              </a:solidFill>
-              <a:latin typeface="Arial" panose="020B0604020202020204" pitchFamily="34" charset="0"/>
-              <a:cs typeface="Arial" panose="020B0604020202020204" pitchFamily="34" charset="0"/>
-            </a:endParaRPr>
           </a:p>
         </p:txBody>
       </p:sp>
@@ -3175,274 +2839,25 @@
           <a:p>
             <a:pPr algn="ctr"/>
             <a:r>
-              <a:rPr lang="es-ES" sz="900" dirty="0" smtClean="0">
+              <a:rPr lang="es-ES" sz="900" dirty="0">
                 <a:latin typeface="Arial" panose="020B0604020202020204" pitchFamily="34" charset="0"/>
                 <a:cs typeface="Arial" panose="020B0604020202020204" pitchFamily="34" charset="0"/>
               </a:rPr>
               <a:t>son</a:t>
             </a:r>
-            <a:endParaRPr lang="es-ES" sz="900" dirty="0">
-              <a:latin typeface="Arial" panose="020B0604020202020204" pitchFamily="34" charset="0"/>
-              <a:cs typeface="Arial" panose="020B0604020202020204" pitchFamily="34" charset="0"/>
-            </a:endParaRPr>
           </a:p>
         </p:txBody>
       </p:sp>
-      <p:grpSp>
-        <p:nvGrpSpPr>
-          <p:cNvPr id="352" name="351 Grupo"/>
-          <p:cNvGrpSpPr/>
-          <p:nvPr/>
-        </p:nvGrpSpPr>
-        <p:grpSpPr>
-          <a:xfrm>
-            <a:off x="5063258" y="3955730"/>
-            <a:ext cx="1201149" cy="691519"/>
-            <a:chOff x="6239311" y="2089184"/>
-            <a:chExt cx="1480010" cy="402277"/>
-          </a:xfrm>
-        </p:grpSpPr>
-        <p:sp>
-          <p:nvSpPr>
-            <p:cNvPr id="354" name="CuadroTexto 195" descr="Conector entre nodos" title="conector"/>
-            <p:cNvSpPr txBox="1"/>
-            <p:nvPr/>
-          </p:nvSpPr>
-          <p:spPr>
-            <a:xfrm>
-              <a:off x="6239311" y="2089184"/>
-              <a:ext cx="1480010" cy="125330"/>
-            </a:xfrm>
-            <a:prstGeom prst="rect">
-              <a:avLst/>
-            </a:prstGeom>
-            <a:noFill/>
-          </p:spPr>
-          <p:txBody>
-            <a:bodyPr wrap="square" rtlCol="0">
-              <a:spAutoFit/>
-            </a:bodyPr>
-            <a:lstStyle/>
-            <a:p>
-              <a:pPr algn="ctr"/>
-              <a:r>
-                <a:rPr lang="es-ES" sz="800" dirty="0" smtClean="0">
-                  <a:latin typeface="Arial" panose="020B0604020202020204" pitchFamily="34" charset="0"/>
-                  <a:cs typeface="Arial" panose="020B0604020202020204" pitchFamily="34" charset="0"/>
-                </a:rPr>
-                <a:t>que se denomina</a:t>
-              </a:r>
-              <a:endParaRPr lang="es-ES" sz="800" dirty="0">
-                <a:latin typeface="Arial" panose="020B0604020202020204" pitchFamily="34" charset="0"/>
-                <a:cs typeface="Arial" panose="020B0604020202020204" pitchFamily="34" charset="0"/>
-              </a:endParaRPr>
-            </a:p>
-          </p:txBody>
-        </p:sp>
-        <p:sp>
-          <p:nvSpPr>
-            <p:cNvPr id="356" name="Rectángulo 199" descr="Nodo de tercer nivel" title="Nodo03"/>
-            <p:cNvSpPr/>
-            <p:nvPr/>
-          </p:nvSpPr>
-          <p:spPr>
-            <a:xfrm>
-              <a:off x="6640662" y="2271539"/>
-              <a:ext cx="761457" cy="219922"/>
-            </a:xfrm>
-            <a:prstGeom prst="rect">
-              <a:avLst/>
-            </a:prstGeom>
-            <a:ln/>
-          </p:spPr>
-          <p:style>
-            <a:lnRef idx="2">
-              <a:schemeClr val="dk1"/>
-            </a:lnRef>
-            <a:fillRef idx="1">
-              <a:schemeClr val="lt1"/>
-            </a:fillRef>
-            <a:effectRef idx="0">
-              <a:schemeClr val="dk1"/>
-            </a:effectRef>
-            <a:fontRef idx="minor">
-              <a:schemeClr val="dk1"/>
-            </a:fontRef>
-          </p:style>
-          <p:txBody>
-            <a:bodyPr rtlCol="0" anchor="ctr"/>
-            <a:lstStyle/>
-            <a:p>
-              <a:pPr algn="ctr"/>
-              <a:r>
-                <a:rPr lang="es-ES" sz="900" dirty="0" smtClean="0">
-                  <a:solidFill>
-                    <a:schemeClr val="tx1"/>
-                  </a:solidFill>
-                  <a:latin typeface="Arial" panose="020B0604020202020204" pitchFamily="34" charset="0"/>
-                  <a:cs typeface="Arial" panose="020B0604020202020204" pitchFamily="34" charset="0"/>
-                </a:rPr>
-                <a:t>eje de reflexión</a:t>
-              </a:r>
-              <a:endParaRPr lang="es-ES" sz="900" dirty="0">
-                <a:solidFill>
-                  <a:schemeClr val="tx1"/>
-                </a:solidFill>
-                <a:latin typeface="Arial" panose="020B0604020202020204" pitchFamily="34" charset="0"/>
-                <a:cs typeface="Arial" panose="020B0604020202020204" pitchFamily="34" charset="0"/>
-              </a:endParaRPr>
-            </a:p>
-          </p:txBody>
-        </p:sp>
-      </p:grpSp>
-      <p:cxnSp>
-        <p:nvCxnSpPr>
-          <p:cNvPr id="363" name="Conector angular 346"/>
-          <p:cNvCxnSpPr/>
-          <p:nvPr/>
-        </p:nvCxnSpPr>
-        <p:spPr>
-          <a:xfrm rot="16200000" flipH="1">
-            <a:off x="7801120" y="4298188"/>
-            <a:ext cx="143029" cy="877"/>
-          </a:xfrm>
-          <a:prstGeom prst="bentConnector3">
-            <a:avLst>
-              <a:gd name="adj1" fmla="val 50000"/>
-            </a:avLst>
-          </a:prstGeom>
-          <a:ln w="12700">
-            <a:solidFill>
-              <a:schemeClr val="tx1"/>
-            </a:solidFill>
-          </a:ln>
-        </p:spPr>
-        <p:style>
-          <a:lnRef idx="1">
-            <a:schemeClr val="accent1"/>
-          </a:lnRef>
-          <a:fillRef idx="0">
-            <a:schemeClr val="accent1"/>
-          </a:fillRef>
-          <a:effectRef idx="0">
-            <a:schemeClr val="accent1"/>
-          </a:effectRef>
-          <a:fontRef idx="minor">
-            <a:schemeClr val="tx1"/>
-          </a:fontRef>
-        </p:style>
-      </p:cxnSp>
       <p:sp>
         <p:nvSpPr>
-          <p:cNvPr id="364" name="Rectángulo 185" descr="Nodo de segundo nivel" title="Nodo02"/>
-          <p:cNvSpPr/>
+          <p:cNvPr id="354" name="CuadroTexto 195" descr="Conector entre nodos" title="conector"/>
+          <p:cNvSpPr txBox="1"/>
           <p:nvPr/>
         </p:nvSpPr>
         <p:spPr>
           <a:xfrm>
-            <a:off x="7206218" y="3292873"/>
-            <a:ext cx="1333711" cy="961170"/>
-          </a:xfrm>
-          <a:prstGeom prst="rect">
-            <a:avLst/>
-          </a:prstGeom>
-          <a:solidFill>
-            <a:schemeClr val="bg2">
-              <a:lumMod val="90000"/>
-            </a:schemeClr>
-          </a:solidFill>
-          <a:ln>
-            <a:solidFill>
-              <a:schemeClr val="tx1"/>
-            </a:solidFill>
-          </a:ln>
-        </p:spPr>
-        <p:style>
-          <a:lnRef idx="2">
-            <a:schemeClr val="accent6"/>
-          </a:lnRef>
-          <a:fillRef idx="1">
-            <a:schemeClr val="lt1"/>
-          </a:fillRef>
-          <a:effectRef idx="0">
-            <a:schemeClr val="accent6"/>
-          </a:effectRef>
-          <a:fontRef idx="minor">
-            <a:schemeClr val="dk1"/>
-          </a:fontRef>
-        </p:style>
-        <p:txBody>
-          <a:bodyPr rtlCol="0" anchor="ctr"/>
-          <a:lstStyle/>
-          <a:p>
-            <a:pPr algn="ctr"/>
-            <a:r>
-              <a:rPr lang="es-ES" sz="900" dirty="0" smtClean="0">
-                <a:solidFill>
-                  <a:schemeClr val="tx1"/>
-                </a:solidFill>
-                <a:latin typeface="Arial" panose="020B0604020202020204" pitchFamily="34" charset="0"/>
-                <a:cs typeface="Arial" panose="020B0604020202020204" pitchFamily="34" charset="0"/>
-              </a:rPr>
-              <a:t>En aquellas figuras que doblarlas por un eje imaginario se obtiene figuras exactamente iguales en forma y tamaño </a:t>
-            </a:r>
-            <a:endParaRPr lang="es-ES" sz="900" dirty="0">
-              <a:solidFill>
-                <a:schemeClr val="tx1"/>
-              </a:solidFill>
-              <a:latin typeface="Arial" panose="020B0604020202020204" pitchFamily="34" charset="0"/>
-              <a:cs typeface="Arial" panose="020B0604020202020204" pitchFamily="34" charset="0"/>
-            </a:endParaRPr>
-          </a:p>
-        </p:txBody>
-      </p:sp>
-      <p:cxnSp>
-        <p:nvCxnSpPr>
-          <p:cNvPr id="365" name="Conector angular 186"/>
-          <p:cNvCxnSpPr/>
-          <p:nvPr/>
-        </p:nvCxnSpPr>
-        <p:spPr>
-          <a:xfrm rot="16200000" flipH="1">
-            <a:off x="7793018" y="3215825"/>
-            <a:ext cx="143029" cy="877"/>
-          </a:xfrm>
-          <a:prstGeom prst="bentConnector3">
-            <a:avLst>
-              <a:gd name="adj1" fmla="val 50000"/>
-            </a:avLst>
-          </a:prstGeom>
-          <a:ln w="12700">
-            <a:solidFill>
-              <a:schemeClr val="tx1"/>
-            </a:solidFill>
-          </a:ln>
-        </p:spPr>
-        <p:style>
-          <a:lnRef idx="1">
-            <a:schemeClr val="accent1"/>
-          </a:lnRef>
-          <a:fillRef idx="0">
-            <a:schemeClr val="accent1"/>
-          </a:fillRef>
-          <a:effectRef idx="0">
-            <a:schemeClr val="accent1"/>
-          </a:effectRef>
-          <a:fontRef idx="minor">
-            <a:schemeClr val="tx1"/>
-          </a:fontRef>
-        </p:style>
-      </p:cxnSp>
-      <p:sp>
-        <p:nvSpPr>
-          <p:cNvPr id="366" name="CuadroTexto 187" descr="Conector entre nodos" title="conector"/>
-          <p:cNvSpPr txBox="1"/>
-          <p:nvPr/>
-        </p:nvSpPr>
-        <p:spPr>
-          <a:xfrm>
-            <a:off x="7284828" y="4346550"/>
-            <a:ext cx="1117720" cy="215444"/>
+            <a:off x="5205817" y="3955730"/>
+            <a:ext cx="1048306" cy="215444"/>
           </a:xfrm>
           <a:prstGeom prst="rect">
             <a:avLst/>
@@ -3457,366 +2872,80 @@
           <a:p>
             <a:pPr algn="ctr"/>
             <a:r>
-              <a:rPr lang="es-ES" sz="800" dirty="0" smtClean="0">
+              <a:rPr lang="es-ES" sz="800" dirty="0">
                 <a:latin typeface="Arial" panose="020B0604020202020204" pitchFamily="34" charset="0"/>
                 <a:cs typeface="Arial" panose="020B0604020202020204" pitchFamily="34" charset="0"/>
               </a:rPr>
-              <a:t>se clasifican en</a:t>
+              <a:t>que se denomina</a:t>
             </a:r>
-            <a:endParaRPr lang="es-ES" sz="800" dirty="0">
-              <a:latin typeface="Arial" panose="020B0604020202020204" pitchFamily="34" charset="0"/>
-              <a:cs typeface="Arial" panose="020B0604020202020204" pitchFamily="34" charset="0"/>
-            </a:endParaRPr>
+          </a:p>
+        </p:txBody>
+      </p:sp>
+      <p:sp>
+        <p:nvSpPr>
+          <p:cNvPr id="356" name="Rectángulo 199" descr="Nodo de tercer nivel" title="Nodo03"/>
+          <p:cNvSpPr/>
+          <p:nvPr/>
+        </p:nvSpPr>
+        <p:spPr>
+          <a:xfrm>
+            <a:off x="5205818" y="4269200"/>
+            <a:ext cx="1048305" cy="378049"/>
+          </a:xfrm>
+          <a:prstGeom prst="rect">
+            <a:avLst/>
+          </a:prstGeom>
+          <a:ln/>
+        </p:spPr>
+        <p:style>
+          <a:lnRef idx="2">
+            <a:schemeClr val="dk1"/>
+          </a:lnRef>
+          <a:fillRef idx="1">
+            <a:schemeClr val="lt1"/>
+          </a:fillRef>
+          <a:effectRef idx="0">
+            <a:schemeClr val="dk1"/>
+          </a:effectRef>
+          <a:fontRef idx="minor">
+            <a:schemeClr val="dk1"/>
+          </a:fontRef>
+        </p:style>
+        <p:txBody>
+          <a:bodyPr rtlCol="0" anchor="ctr"/>
+          <a:lstStyle/>
+          <a:p>
+            <a:pPr algn="ctr"/>
+            <a:r>
+              <a:rPr lang="es-ES" sz="900" dirty="0">
+                <a:solidFill>
+                  <a:schemeClr val="tx1"/>
+                </a:solidFill>
+                <a:latin typeface="Arial" panose="020B0604020202020204" pitchFamily="34" charset="0"/>
+                <a:cs typeface="Arial" panose="020B0604020202020204" pitchFamily="34" charset="0"/>
+              </a:rPr>
+              <a:t>eje de reflexión</a:t>
+            </a:r>
           </a:p>
         </p:txBody>
       </p:sp>
       <p:cxnSp>
         <p:nvCxnSpPr>
-          <p:cNvPr id="371" name="Conector angular 346"/>
-          <p:cNvCxnSpPr/>
+          <p:cNvPr id="363" name="Conector angular 346"/>
+          <p:cNvCxnSpPr>
+            <a:stCxn id="364" idx="2"/>
+            <a:endCxn id="366" idx="0"/>
+          </p:cNvCxnSpPr>
           <p:nvPr/>
         </p:nvCxnSpPr>
         <p:spPr>
           <a:xfrm rot="16200000" flipH="1">
-            <a:off x="5701025" y="3898337"/>
-            <a:ext cx="10246" cy="712"/>
+            <a:off x="7595681" y="4297756"/>
+            <a:ext cx="92507" cy="5080"/>
           </a:xfrm>
           <a:prstGeom prst="bentConnector3">
             <a:avLst>
-              <a:gd name="adj1" fmla="val 1212044"/>
-            </a:avLst>
-          </a:prstGeom>
-          <a:ln w="12700">
-            <a:solidFill>
-              <a:schemeClr val="tx1"/>
-            </a:solidFill>
-          </a:ln>
-        </p:spPr>
-        <p:style>
-          <a:lnRef idx="1">
-            <a:schemeClr val="accent1"/>
-          </a:lnRef>
-          <a:fillRef idx="0">
-            <a:schemeClr val="accent1"/>
-          </a:fillRef>
-          <a:effectRef idx="0">
-            <a:schemeClr val="accent1"/>
-          </a:effectRef>
-          <a:fontRef idx="minor">
-            <a:schemeClr val="tx1"/>
-          </a:fontRef>
-        </p:style>
-      </p:cxnSp>
-      <p:cxnSp>
-        <p:nvCxnSpPr>
-          <p:cNvPr id="108" name="Conector angular 218"/>
-          <p:cNvCxnSpPr/>
-          <p:nvPr/>
-        </p:nvCxnSpPr>
-        <p:spPr>
-          <a:xfrm rot="16200000" flipH="1">
-            <a:off x="4081569" y="765238"/>
-            <a:ext cx="143914" cy="2348"/>
-          </a:xfrm>
-          <a:prstGeom prst="bentConnector3">
-            <a:avLst>
-              <a:gd name="adj1" fmla="val 18467"/>
-            </a:avLst>
-          </a:prstGeom>
-          <a:ln w="12700">
-            <a:solidFill>
-              <a:schemeClr val="tx1"/>
-            </a:solidFill>
-          </a:ln>
-        </p:spPr>
-        <p:style>
-          <a:lnRef idx="1">
-            <a:schemeClr val="accent1"/>
-          </a:lnRef>
-          <a:fillRef idx="0">
-            <a:schemeClr val="accent1"/>
-          </a:fillRef>
-          <a:effectRef idx="0">
-            <a:schemeClr val="accent1"/>
-          </a:effectRef>
-          <a:fontRef idx="minor">
-            <a:schemeClr val="tx1"/>
-          </a:fontRef>
-        </p:style>
-      </p:cxnSp>
-      <p:cxnSp>
-        <p:nvCxnSpPr>
-          <p:cNvPr id="127" name="Conector angular 218"/>
-          <p:cNvCxnSpPr/>
-          <p:nvPr/>
-        </p:nvCxnSpPr>
-        <p:spPr>
-          <a:xfrm rot="16200000" flipH="1">
-            <a:off x="4086106" y="1092818"/>
-            <a:ext cx="143914" cy="2348"/>
-          </a:xfrm>
-          <a:prstGeom prst="bentConnector3">
-            <a:avLst>
-              <a:gd name="adj1" fmla="val 18467"/>
-            </a:avLst>
-          </a:prstGeom>
-          <a:ln w="12700">
-            <a:solidFill>
-              <a:schemeClr val="tx1"/>
-            </a:solidFill>
-          </a:ln>
-        </p:spPr>
-        <p:style>
-          <a:lnRef idx="1">
-            <a:schemeClr val="accent1"/>
-          </a:lnRef>
-          <a:fillRef idx="0">
-            <a:schemeClr val="accent1"/>
-          </a:fillRef>
-          <a:effectRef idx="0">
-            <a:schemeClr val="accent1"/>
-          </a:effectRef>
-          <a:fontRef idx="minor">
-            <a:schemeClr val="tx1"/>
-          </a:fontRef>
-        </p:style>
-      </p:cxnSp>
-      <p:cxnSp>
-        <p:nvCxnSpPr>
-          <p:cNvPr id="129" name="Conector angular 218"/>
-          <p:cNvCxnSpPr/>
-          <p:nvPr/>
-        </p:nvCxnSpPr>
-        <p:spPr>
-          <a:xfrm rot="16200000" flipH="1">
-            <a:off x="4079220" y="2046890"/>
-            <a:ext cx="143914" cy="2348"/>
-          </a:xfrm>
-          <a:prstGeom prst="bentConnector3">
-            <a:avLst>
-              <a:gd name="adj1" fmla="val 18467"/>
-            </a:avLst>
-          </a:prstGeom>
-          <a:ln w="12700">
-            <a:solidFill>
-              <a:schemeClr val="tx1"/>
-            </a:solidFill>
-          </a:ln>
-        </p:spPr>
-        <p:style>
-          <a:lnRef idx="1">
-            <a:schemeClr val="accent1"/>
-          </a:lnRef>
-          <a:fillRef idx="0">
-            <a:schemeClr val="accent1"/>
-          </a:fillRef>
-          <a:effectRef idx="0">
-            <a:schemeClr val="accent1"/>
-          </a:effectRef>
-          <a:fontRef idx="minor">
-            <a:schemeClr val="tx1"/>
-          </a:fontRef>
-        </p:style>
-      </p:cxnSp>
-      <p:cxnSp>
-        <p:nvCxnSpPr>
-          <p:cNvPr id="134" name="Conector angular 218"/>
-          <p:cNvCxnSpPr/>
-          <p:nvPr/>
-        </p:nvCxnSpPr>
-        <p:spPr>
-          <a:xfrm rot="16200000" flipH="1">
-            <a:off x="3794957" y="3239217"/>
-            <a:ext cx="143914" cy="2348"/>
-          </a:xfrm>
-          <a:prstGeom prst="bentConnector3">
-            <a:avLst>
-              <a:gd name="adj1" fmla="val 18467"/>
-            </a:avLst>
-          </a:prstGeom>
-          <a:ln w="12700">
-            <a:solidFill>
-              <a:schemeClr val="tx1"/>
-            </a:solidFill>
-          </a:ln>
-        </p:spPr>
-        <p:style>
-          <a:lnRef idx="1">
-            <a:schemeClr val="accent1"/>
-          </a:lnRef>
-          <a:fillRef idx="0">
-            <a:schemeClr val="accent1"/>
-          </a:fillRef>
-          <a:effectRef idx="0">
-            <a:schemeClr val="accent1"/>
-          </a:effectRef>
-          <a:fontRef idx="minor">
-            <a:schemeClr val="tx1"/>
-          </a:fontRef>
-        </p:style>
-      </p:cxnSp>
-      <p:cxnSp>
-        <p:nvCxnSpPr>
-          <p:cNvPr id="137" name="Conector angular 218"/>
-          <p:cNvCxnSpPr/>
-          <p:nvPr/>
-        </p:nvCxnSpPr>
-        <p:spPr>
-          <a:xfrm rot="16200000" flipH="1">
-            <a:off x="1300669" y="3254211"/>
-            <a:ext cx="143914" cy="2348"/>
-          </a:xfrm>
-          <a:prstGeom prst="bentConnector3">
-            <a:avLst>
-              <a:gd name="adj1" fmla="val 98762"/>
-            </a:avLst>
-          </a:prstGeom>
-          <a:ln w="12700">
-            <a:solidFill>
-              <a:schemeClr val="tx1"/>
-            </a:solidFill>
-          </a:ln>
-        </p:spPr>
-        <p:style>
-          <a:lnRef idx="1">
-            <a:schemeClr val="accent1"/>
-          </a:lnRef>
-          <a:fillRef idx="0">
-            <a:schemeClr val="accent1"/>
-          </a:fillRef>
-          <a:effectRef idx="0">
-            <a:schemeClr val="accent1"/>
-          </a:effectRef>
-          <a:fontRef idx="minor">
-            <a:schemeClr val="tx1"/>
-          </a:fontRef>
-        </p:style>
-      </p:cxnSp>
-      <p:cxnSp>
-        <p:nvCxnSpPr>
-          <p:cNvPr id="139" name="Conector angular 337"/>
-          <p:cNvCxnSpPr/>
-          <p:nvPr/>
-        </p:nvCxnSpPr>
-        <p:spPr>
-          <a:xfrm rot="16200000" flipH="1">
-            <a:off x="3827994" y="2963796"/>
-            <a:ext cx="85581" cy="2348"/>
-          </a:xfrm>
-          <a:prstGeom prst="bentConnector3">
-            <a:avLst>
-              <a:gd name="adj1" fmla="val 110312"/>
-            </a:avLst>
-          </a:prstGeom>
-          <a:ln w="12700">
-            <a:solidFill>
-              <a:schemeClr val="tx1"/>
-            </a:solidFill>
-          </a:ln>
-        </p:spPr>
-        <p:style>
-          <a:lnRef idx="1">
-            <a:schemeClr val="accent1"/>
-          </a:lnRef>
-          <a:fillRef idx="0">
-            <a:schemeClr val="accent1"/>
-          </a:fillRef>
-          <a:effectRef idx="0">
-            <a:schemeClr val="accent1"/>
-          </a:effectRef>
-          <a:fontRef idx="minor">
-            <a:schemeClr val="tx1"/>
-          </a:fontRef>
-        </p:style>
-      </p:cxnSp>
-      <p:cxnSp>
-        <p:nvCxnSpPr>
-          <p:cNvPr id="140" name="Conector angular 218"/>
-          <p:cNvCxnSpPr/>
-          <p:nvPr/>
-        </p:nvCxnSpPr>
-        <p:spPr>
-          <a:xfrm rot="16200000" flipH="1">
-            <a:off x="5645526" y="3239082"/>
-            <a:ext cx="143914" cy="2348"/>
-          </a:xfrm>
-          <a:prstGeom prst="bentConnector3">
-            <a:avLst>
-              <a:gd name="adj1" fmla="val 18467"/>
-            </a:avLst>
-          </a:prstGeom>
-          <a:ln w="12700">
-            <a:solidFill>
-              <a:schemeClr val="tx1"/>
-            </a:solidFill>
-          </a:ln>
-        </p:spPr>
-        <p:style>
-          <a:lnRef idx="1">
-            <a:schemeClr val="accent1"/>
-          </a:lnRef>
-          <a:fillRef idx="0">
-            <a:schemeClr val="accent1"/>
-          </a:fillRef>
-          <a:effectRef idx="0">
-            <a:schemeClr val="accent1"/>
-          </a:effectRef>
-          <a:fontRef idx="minor">
-            <a:schemeClr val="tx1"/>
-          </a:fontRef>
-        </p:style>
-      </p:cxnSp>
-      <p:cxnSp>
-        <p:nvCxnSpPr>
-          <p:cNvPr id="141" name="Conector angular 337"/>
-          <p:cNvCxnSpPr/>
-          <p:nvPr/>
-        </p:nvCxnSpPr>
-        <p:spPr>
-          <a:xfrm rot="16200000" flipH="1">
-            <a:off x="5673702" y="2936325"/>
-            <a:ext cx="85581" cy="2348"/>
-          </a:xfrm>
-          <a:prstGeom prst="bentConnector3">
-            <a:avLst>
-              <a:gd name="adj1" fmla="val 110312"/>
-            </a:avLst>
-          </a:prstGeom>
-          <a:ln w="12700">
-            <a:solidFill>
-              <a:schemeClr val="tx1"/>
-            </a:solidFill>
-          </a:ln>
-        </p:spPr>
-        <p:style>
-          <a:lnRef idx="1">
-            <a:schemeClr val="accent1"/>
-          </a:lnRef>
-          <a:fillRef idx="0">
-            <a:schemeClr val="accent1"/>
-          </a:fillRef>
-          <a:effectRef idx="0">
-            <a:schemeClr val="accent1"/>
-          </a:effectRef>
-          <a:fontRef idx="minor">
-            <a:schemeClr val="tx1"/>
-          </a:fontRef>
-        </p:style>
-      </p:cxnSp>
-      <p:cxnSp>
-        <p:nvCxnSpPr>
-          <p:cNvPr id="153" name="Conector angular 218"/>
-          <p:cNvCxnSpPr/>
-          <p:nvPr/>
-        </p:nvCxnSpPr>
-        <p:spPr>
-          <a:xfrm rot="16200000" flipH="1">
-            <a:off x="7786477" y="2947155"/>
-            <a:ext cx="143914" cy="2348"/>
-          </a:xfrm>
-          <a:prstGeom prst="bentConnector3">
-            <a:avLst>
-              <a:gd name="adj1" fmla="val 18467"/>
+              <a:gd name="adj1" fmla="val 50000"/>
             </a:avLst>
           </a:prstGeom>
           <a:ln w="12700">
@@ -3842,14 +2971,111 @@
       </p:cxnSp>
       <p:sp>
         <p:nvSpPr>
-          <p:cNvPr id="155" name="CuadroTexto 18" descr="Conector entre nodos" title="conector"/>
+          <p:cNvPr id="364" name="Rectángulo 185" descr="Nodo de segundo nivel" title="Nodo02"/>
+          <p:cNvSpPr/>
+          <p:nvPr/>
+        </p:nvSpPr>
+        <p:spPr>
+          <a:xfrm>
+            <a:off x="6972538" y="3292873"/>
+            <a:ext cx="1333712" cy="961170"/>
+          </a:xfrm>
+          <a:prstGeom prst="rect">
+            <a:avLst/>
+          </a:prstGeom>
+          <a:solidFill>
+            <a:schemeClr val="bg2">
+              <a:lumMod val="90000"/>
+            </a:schemeClr>
+          </a:solidFill>
+          <a:ln>
+            <a:solidFill>
+              <a:schemeClr val="tx1"/>
+            </a:solidFill>
+          </a:ln>
+        </p:spPr>
+        <p:style>
+          <a:lnRef idx="2">
+            <a:schemeClr val="accent6"/>
+          </a:lnRef>
+          <a:fillRef idx="1">
+            <a:schemeClr val="lt1"/>
+          </a:fillRef>
+          <a:effectRef idx="0">
+            <a:schemeClr val="accent6"/>
+          </a:effectRef>
+          <a:fontRef idx="minor">
+            <a:schemeClr val="dk1"/>
+          </a:fontRef>
+        </p:style>
+        <p:txBody>
+          <a:bodyPr rtlCol="0" anchor="ctr"/>
+          <a:lstStyle/>
+          <a:p>
+            <a:pPr algn="ctr"/>
+            <a:r>
+              <a:rPr lang="es-ES" sz="900" dirty="0">
+                <a:solidFill>
+                  <a:schemeClr val="tx1"/>
+                </a:solidFill>
+                <a:latin typeface="Arial" panose="020B0604020202020204" pitchFamily="34" charset="0"/>
+                <a:cs typeface="Arial" panose="020B0604020202020204" pitchFamily="34" charset="0"/>
+              </a:rPr>
+              <a:t>en aquellas figuras que doblarlas por un eje imaginario se obtiene figuras exactamente iguales en forma y tamaño </a:t>
+            </a:r>
+          </a:p>
+        </p:txBody>
+      </p:sp>
+      <p:cxnSp>
+        <p:nvCxnSpPr>
+          <p:cNvPr id="365" name="Conector angular 186"/>
+          <p:cNvCxnSpPr>
+            <a:stCxn id="155" idx="2"/>
+            <a:endCxn id="364" idx="0"/>
+          </p:cNvCxnSpPr>
+          <p:nvPr/>
+        </p:nvCxnSpPr>
+        <p:spPr>
+          <a:xfrm rot="5400000">
+            <a:off x="7586636" y="3233184"/>
+            <a:ext cx="112448" cy="6931"/>
+          </a:xfrm>
+          <a:prstGeom prst="bentConnector3">
+            <a:avLst>
+              <a:gd name="adj1" fmla="val 50000"/>
+            </a:avLst>
+          </a:prstGeom>
+          <a:ln w="12700">
+            <a:solidFill>
+              <a:schemeClr val="tx1"/>
+            </a:solidFill>
+          </a:ln>
+        </p:spPr>
+        <p:style>
+          <a:lnRef idx="1">
+            <a:schemeClr val="accent1"/>
+          </a:lnRef>
+          <a:fillRef idx="0">
+            <a:schemeClr val="accent1"/>
+          </a:fillRef>
+          <a:effectRef idx="0">
+            <a:schemeClr val="accent1"/>
+          </a:effectRef>
+          <a:fontRef idx="minor">
+            <a:schemeClr val="tx1"/>
+          </a:fontRef>
+        </p:style>
+      </p:cxnSp>
+      <p:sp>
+        <p:nvSpPr>
+          <p:cNvPr id="366" name="CuadroTexto 187" descr="Conector entre nodos" title="conector"/>
           <p:cNvSpPr txBox="1"/>
           <p:nvPr/>
         </p:nvSpPr>
         <p:spPr>
           <a:xfrm>
-            <a:off x="7302879" y="2987912"/>
-            <a:ext cx="1122431" cy="230832"/>
+            <a:off x="7038242" y="4346550"/>
+            <a:ext cx="1212464" cy="215444"/>
           </a:xfrm>
           <a:prstGeom prst="rect">
             <a:avLst/>
@@ -3864,33 +3090,32 @@
           <a:p>
             <a:pPr algn="ctr"/>
             <a:r>
-              <a:rPr lang="es-ES" sz="900" dirty="0" smtClean="0">
+              <a:rPr lang="es-ES" sz="800" dirty="0">
                 <a:latin typeface="Arial" panose="020B0604020202020204" pitchFamily="34" charset="0"/>
                 <a:cs typeface="Arial" panose="020B0604020202020204" pitchFamily="34" charset="0"/>
               </a:rPr>
-              <a:t>se identifican</a:t>
+              <a:t>se clasifican en</a:t>
             </a:r>
-            <a:endParaRPr lang="es-ES" sz="900" dirty="0">
-              <a:latin typeface="Arial" panose="020B0604020202020204" pitchFamily="34" charset="0"/>
-              <a:cs typeface="Arial" panose="020B0604020202020204" pitchFamily="34" charset="0"/>
-            </a:endParaRPr>
           </a:p>
         </p:txBody>
       </p:sp>
       <p:cxnSp>
         <p:nvCxnSpPr>
-          <p:cNvPr id="158" name="Conector angular 157"/>
-          <p:cNvCxnSpPr/>
+          <p:cNvPr id="371" name="Conector angular 346"/>
+          <p:cNvCxnSpPr>
+            <a:stCxn id="354" idx="0"/>
+            <a:endCxn id="195" idx="2"/>
+          </p:cNvCxnSpPr>
           <p:nvPr/>
         </p:nvCxnSpPr>
         <p:spPr>
           <a:xfrm rot="16200000" flipV="1">
-            <a:off x="1468480" y="3335794"/>
-            <a:ext cx="10976" cy="1857016"/>
+            <a:off x="5680172" y="3905932"/>
+            <a:ext cx="93719" cy="5878"/>
           </a:xfrm>
           <a:prstGeom prst="bentConnector3">
             <a:avLst>
-              <a:gd name="adj1" fmla="val 1042921"/>
+              <a:gd name="adj1" fmla="val 50000"/>
             </a:avLst>
           </a:prstGeom>
           <a:ln w="12700">
@@ -3916,13 +3141,207 @@
       </p:cxnSp>
       <p:cxnSp>
         <p:nvCxnSpPr>
-          <p:cNvPr id="168" name="Conector angular 337"/>
+          <p:cNvPr id="108" name="Conector angular 218"/>
           <p:cNvCxnSpPr/>
           <p:nvPr/>
         </p:nvCxnSpPr>
         <p:spPr>
           <a:xfrm rot="16200000" flipH="1">
-            <a:off x="1327488" y="3847305"/>
+            <a:off x="4081569" y="765238"/>
+            <a:ext cx="143914" cy="2348"/>
+          </a:xfrm>
+          <a:prstGeom prst="bentConnector3">
+            <a:avLst>
+              <a:gd name="adj1" fmla="val 18467"/>
+            </a:avLst>
+          </a:prstGeom>
+          <a:ln w="12700">
+            <a:solidFill>
+              <a:schemeClr val="tx1"/>
+            </a:solidFill>
+          </a:ln>
+        </p:spPr>
+        <p:style>
+          <a:lnRef idx="1">
+            <a:schemeClr val="accent1"/>
+          </a:lnRef>
+          <a:fillRef idx="0">
+            <a:schemeClr val="accent1"/>
+          </a:fillRef>
+          <a:effectRef idx="0">
+            <a:schemeClr val="accent1"/>
+          </a:effectRef>
+          <a:fontRef idx="minor">
+            <a:schemeClr val="tx1"/>
+          </a:fontRef>
+        </p:style>
+      </p:cxnSp>
+      <p:cxnSp>
+        <p:nvCxnSpPr>
+          <p:cNvPr id="127" name="Conector angular 218"/>
+          <p:cNvCxnSpPr>
+            <a:stCxn id="89" idx="2"/>
+            <a:endCxn id="82" idx="0"/>
+          </p:cNvCxnSpPr>
+          <p:nvPr/>
+        </p:nvCxnSpPr>
+        <p:spPr>
+          <a:xfrm rot="5400000">
+            <a:off x="4102392" y="1111591"/>
+            <a:ext cx="103619" cy="6564"/>
+          </a:xfrm>
+          <a:prstGeom prst="bentConnector3">
+            <a:avLst>
+              <a:gd name="adj1" fmla="val 50000"/>
+            </a:avLst>
+          </a:prstGeom>
+          <a:ln w="12700">
+            <a:solidFill>
+              <a:schemeClr val="tx1"/>
+            </a:solidFill>
+          </a:ln>
+        </p:spPr>
+        <p:style>
+          <a:lnRef idx="1">
+            <a:schemeClr val="accent1"/>
+          </a:lnRef>
+          <a:fillRef idx="0">
+            <a:schemeClr val="accent1"/>
+          </a:fillRef>
+          <a:effectRef idx="0">
+            <a:schemeClr val="accent1"/>
+          </a:effectRef>
+          <a:fontRef idx="minor">
+            <a:schemeClr val="tx1"/>
+          </a:fontRef>
+        </p:style>
+      </p:cxnSp>
+      <p:cxnSp>
+        <p:nvCxnSpPr>
+          <p:cNvPr id="129" name="Conector angular 218"/>
+          <p:cNvCxnSpPr>
+            <a:stCxn id="82" idx="2"/>
+            <a:endCxn id="80" idx="0"/>
+          </p:cNvCxnSpPr>
+          <p:nvPr/>
+        </p:nvCxnSpPr>
+        <p:spPr>
+          <a:xfrm rot="16200000" flipH="1">
+            <a:off x="4071113" y="2047887"/>
+            <a:ext cx="161045" cy="1433"/>
+          </a:xfrm>
+          <a:prstGeom prst="bentConnector3">
+            <a:avLst>
+              <a:gd name="adj1" fmla="val 50000"/>
+            </a:avLst>
+          </a:prstGeom>
+          <a:ln w="12700">
+            <a:solidFill>
+              <a:schemeClr val="tx1"/>
+            </a:solidFill>
+          </a:ln>
+        </p:spPr>
+        <p:style>
+          <a:lnRef idx="1">
+            <a:schemeClr val="accent1"/>
+          </a:lnRef>
+          <a:fillRef idx="0">
+            <a:schemeClr val="accent1"/>
+          </a:fillRef>
+          <a:effectRef idx="0">
+            <a:schemeClr val="accent1"/>
+          </a:effectRef>
+          <a:fontRef idx="minor">
+            <a:schemeClr val="tx1"/>
+          </a:fontRef>
+        </p:style>
+      </p:cxnSp>
+      <p:cxnSp>
+        <p:nvCxnSpPr>
+          <p:cNvPr id="134" name="Conector angular 218"/>
+          <p:cNvCxnSpPr/>
+          <p:nvPr/>
+        </p:nvCxnSpPr>
+        <p:spPr>
+          <a:xfrm rot="16200000" flipH="1">
+            <a:off x="3794957" y="3239217"/>
+            <a:ext cx="143914" cy="2348"/>
+          </a:xfrm>
+          <a:prstGeom prst="bentConnector3">
+            <a:avLst>
+              <a:gd name="adj1" fmla="val 18467"/>
+            </a:avLst>
+          </a:prstGeom>
+          <a:ln w="12700">
+            <a:solidFill>
+              <a:schemeClr val="tx1"/>
+            </a:solidFill>
+          </a:ln>
+        </p:spPr>
+        <p:style>
+          <a:lnRef idx="1">
+            <a:schemeClr val="accent1"/>
+          </a:lnRef>
+          <a:fillRef idx="0">
+            <a:schemeClr val="accent1"/>
+          </a:fillRef>
+          <a:effectRef idx="0">
+            <a:schemeClr val="accent1"/>
+          </a:effectRef>
+          <a:fontRef idx="minor">
+            <a:schemeClr val="tx1"/>
+          </a:fontRef>
+        </p:style>
+      </p:cxnSp>
+      <p:cxnSp>
+        <p:nvCxnSpPr>
+          <p:cNvPr id="137" name="Conector angular 218"/>
+          <p:cNvCxnSpPr>
+            <a:stCxn id="19" idx="2"/>
+            <a:endCxn id="44" idx="0"/>
+          </p:cNvCxnSpPr>
+          <p:nvPr/>
+        </p:nvCxnSpPr>
+        <p:spPr>
+          <a:xfrm rot="5400000">
+            <a:off x="1329585" y="3246523"/>
+            <a:ext cx="143091" cy="1"/>
+          </a:xfrm>
+          <a:prstGeom prst="bentConnector3">
+            <a:avLst>
+              <a:gd name="adj1" fmla="val 50000"/>
+            </a:avLst>
+          </a:prstGeom>
+          <a:ln w="12700">
+            <a:solidFill>
+              <a:schemeClr val="tx1"/>
+            </a:solidFill>
+          </a:ln>
+        </p:spPr>
+        <p:style>
+          <a:lnRef idx="1">
+            <a:schemeClr val="accent1"/>
+          </a:lnRef>
+          <a:fillRef idx="0">
+            <a:schemeClr val="accent1"/>
+          </a:fillRef>
+          <a:effectRef idx="0">
+            <a:schemeClr val="accent1"/>
+          </a:effectRef>
+          <a:fontRef idx="minor">
+            <a:schemeClr val="tx1"/>
+          </a:fontRef>
+        </p:style>
+      </p:cxnSp>
+      <p:cxnSp>
+        <p:nvCxnSpPr>
+          <p:cNvPr id="139" name="Conector angular 337"/>
+          <p:cNvCxnSpPr/>
+          <p:nvPr/>
+        </p:nvCxnSpPr>
+        <p:spPr>
+          <a:xfrm rot="16200000" flipH="1">
+            <a:off x="3827994" y="2963796"/>
             <a:ext cx="85581" cy="2348"/>
           </a:xfrm>
           <a:prstGeom prst="bentConnector3">
@@ -3953,18 +3372,18 @@
       </p:cxnSp>
       <p:cxnSp>
         <p:nvCxnSpPr>
-          <p:cNvPr id="169" name="Conector angular 337"/>
+          <p:cNvPr id="140" name="Conector angular 218"/>
           <p:cNvCxnSpPr/>
           <p:nvPr/>
         </p:nvCxnSpPr>
         <p:spPr>
           <a:xfrm rot="16200000" flipH="1">
-            <a:off x="1327488" y="4060505"/>
-            <a:ext cx="85581" cy="2348"/>
+            <a:off x="5645526" y="3239082"/>
+            <a:ext cx="143914" cy="2348"/>
           </a:xfrm>
           <a:prstGeom prst="bentConnector3">
             <a:avLst>
-              <a:gd name="adj1" fmla="val 140695"/>
+              <a:gd name="adj1" fmla="val 18467"/>
             </a:avLst>
           </a:prstGeom>
           <a:ln w="12700">
@@ -3990,18 +3409,58 @@
       </p:cxnSp>
       <p:cxnSp>
         <p:nvCxnSpPr>
-          <p:cNvPr id="174" name="Conector angular 337"/>
+          <p:cNvPr id="141" name="Conector angular 337"/>
           <p:cNvCxnSpPr/>
           <p:nvPr/>
         </p:nvCxnSpPr>
         <p:spPr>
           <a:xfrm rot="16200000" flipH="1">
-            <a:off x="1306274" y="4190655"/>
-            <a:ext cx="131800" cy="7073"/>
+            <a:off x="5673702" y="2936325"/>
+            <a:ext cx="85581" cy="2348"/>
           </a:xfrm>
           <a:prstGeom prst="bentConnector3">
             <a:avLst>
-              <a:gd name="adj1" fmla="val 96033"/>
+              <a:gd name="adj1" fmla="val 110312"/>
+            </a:avLst>
+          </a:prstGeom>
+          <a:ln w="12700">
+            <a:solidFill>
+              <a:schemeClr val="tx1"/>
+            </a:solidFill>
+          </a:ln>
+        </p:spPr>
+        <p:style>
+          <a:lnRef idx="1">
+            <a:schemeClr val="accent1"/>
+          </a:lnRef>
+          <a:fillRef idx="0">
+            <a:schemeClr val="accent1"/>
+          </a:fillRef>
+          <a:effectRef idx="0">
+            <a:schemeClr val="accent1"/>
+          </a:effectRef>
+          <a:fontRef idx="minor">
+            <a:schemeClr val="tx1"/>
+          </a:fontRef>
+        </p:style>
+      </p:cxnSp>
+      <p:cxnSp>
+        <p:nvCxnSpPr>
+          <p:cNvPr id="153" name="Conector angular 218"/>
+          <p:cNvCxnSpPr>
+            <a:stCxn id="181" idx="2"/>
+            <a:endCxn id="155" idx="0"/>
+          </p:cNvCxnSpPr>
+          <p:nvPr/>
+        </p:nvCxnSpPr>
+        <p:spPr>
+          <a:xfrm rot="16200000" flipH="1">
+            <a:off x="7595386" y="2938715"/>
+            <a:ext cx="94947" cy="6931"/>
+          </a:xfrm>
+          <a:prstGeom prst="bentConnector3">
+            <a:avLst>
+              <a:gd name="adj1" fmla="val 50000"/>
             </a:avLst>
           </a:prstGeom>
           <a:ln w="12700">
@@ -4027,14 +3486,14 @@
       </p:cxnSp>
       <p:sp>
         <p:nvSpPr>
-          <p:cNvPr id="183" name="CuadroTexto 135" descr="Conector entre nodos" title="conector"/>
+          <p:cNvPr id="155" name="CuadroTexto 18" descr="Conector entre nodos" title="conector"/>
           <p:cNvSpPr txBox="1"/>
           <p:nvPr/>
         </p:nvSpPr>
         <p:spPr>
           <a:xfrm>
-            <a:off x="4004561" y="4636463"/>
-            <a:ext cx="913996" cy="215444"/>
+            <a:off x="6986400" y="2989655"/>
+            <a:ext cx="1319850" cy="190770"/>
           </a:xfrm>
           <a:prstGeom prst="rect">
             <a:avLst/>
@@ -4049,29 +3508,176 @@
           <a:p>
             <a:pPr algn="ctr"/>
             <a:r>
-              <a:rPr lang="es-ES" sz="800" dirty="0" smtClean="0">
+              <a:rPr lang="es-ES" sz="900" dirty="0">
                 <a:latin typeface="Arial" panose="020B0604020202020204" pitchFamily="34" charset="0"/>
                 <a:cs typeface="Arial" panose="020B0604020202020204" pitchFamily="34" charset="0"/>
               </a:rPr>
-              <a:t>corresponde a</a:t>
+              <a:t>se identifican</a:t>
             </a:r>
-            <a:endParaRPr lang="es-ES" sz="800" dirty="0">
-              <a:latin typeface="Arial" panose="020B0604020202020204" pitchFamily="34" charset="0"/>
-              <a:cs typeface="Arial" panose="020B0604020202020204" pitchFamily="34" charset="0"/>
-            </a:endParaRPr>
           </a:p>
         </p:txBody>
       </p:sp>
+      <p:cxnSp>
+        <p:nvCxnSpPr>
+          <p:cNvPr id="158" name="Conector angular 157"/>
+          <p:cNvCxnSpPr/>
+          <p:nvPr/>
+        </p:nvCxnSpPr>
+        <p:spPr>
+          <a:xfrm rot="16200000" flipV="1">
+            <a:off x="1468480" y="3335794"/>
+            <a:ext cx="10976" cy="1857016"/>
+          </a:xfrm>
+          <a:prstGeom prst="bentConnector3">
+            <a:avLst>
+              <a:gd name="adj1" fmla="val 1042921"/>
+            </a:avLst>
+          </a:prstGeom>
+          <a:ln w="12700">
+            <a:solidFill>
+              <a:schemeClr val="tx1"/>
+            </a:solidFill>
+          </a:ln>
+        </p:spPr>
+        <p:style>
+          <a:lnRef idx="1">
+            <a:schemeClr val="accent1"/>
+          </a:lnRef>
+          <a:fillRef idx="0">
+            <a:schemeClr val="accent1"/>
+          </a:fillRef>
+          <a:effectRef idx="0">
+            <a:schemeClr val="accent1"/>
+          </a:effectRef>
+          <a:fontRef idx="minor">
+            <a:schemeClr val="tx1"/>
+          </a:fontRef>
+        </p:style>
+      </p:cxnSp>
+      <p:cxnSp>
+        <p:nvCxnSpPr>
+          <p:cNvPr id="168" name="Conector angular 337"/>
+          <p:cNvCxnSpPr>
+            <a:stCxn id="243" idx="0"/>
+            <a:endCxn id="44" idx="2"/>
+          </p:cNvCxnSpPr>
+          <p:nvPr/>
+        </p:nvCxnSpPr>
+        <p:spPr>
+          <a:xfrm rot="5400000" flipH="1" flipV="1">
+            <a:off x="1364400" y="3817676"/>
+            <a:ext cx="70703" cy="2755"/>
+          </a:xfrm>
+          <a:prstGeom prst="bentConnector3">
+            <a:avLst>
+              <a:gd name="adj1" fmla="val 50000"/>
+            </a:avLst>
+          </a:prstGeom>
+          <a:ln w="12700">
+            <a:solidFill>
+              <a:schemeClr val="tx1"/>
+            </a:solidFill>
+          </a:ln>
+        </p:spPr>
+        <p:style>
+          <a:lnRef idx="1">
+            <a:schemeClr val="accent1"/>
+          </a:lnRef>
+          <a:fillRef idx="0">
+            <a:schemeClr val="accent1"/>
+          </a:fillRef>
+          <a:effectRef idx="0">
+            <a:schemeClr val="accent1"/>
+          </a:effectRef>
+          <a:fontRef idx="minor">
+            <a:schemeClr val="tx1"/>
+          </a:fontRef>
+        </p:style>
+      </p:cxnSp>
+      <p:cxnSp>
+        <p:nvCxnSpPr>
+          <p:cNvPr id="169" name="Conector angular 337"/>
+          <p:cNvCxnSpPr/>
+          <p:nvPr/>
+        </p:nvCxnSpPr>
+        <p:spPr>
+          <a:xfrm rot="16200000" flipH="1">
+            <a:off x="1327488" y="4060505"/>
+            <a:ext cx="85581" cy="2348"/>
+          </a:xfrm>
+          <a:prstGeom prst="bentConnector3">
+            <a:avLst>
+              <a:gd name="adj1" fmla="val 140695"/>
+            </a:avLst>
+          </a:prstGeom>
+          <a:ln w="12700">
+            <a:solidFill>
+              <a:schemeClr val="tx1"/>
+            </a:solidFill>
+          </a:ln>
+        </p:spPr>
+        <p:style>
+          <a:lnRef idx="1">
+            <a:schemeClr val="accent1"/>
+          </a:lnRef>
+          <a:fillRef idx="0">
+            <a:schemeClr val="accent1"/>
+          </a:fillRef>
+          <a:effectRef idx="0">
+            <a:schemeClr val="accent1"/>
+          </a:effectRef>
+          <a:fontRef idx="minor">
+            <a:schemeClr val="tx1"/>
+          </a:fontRef>
+        </p:style>
+      </p:cxnSp>
+      <p:cxnSp>
+        <p:nvCxnSpPr>
+          <p:cNvPr id="174" name="Conector angular 337"/>
+          <p:cNvCxnSpPr/>
+          <p:nvPr/>
+        </p:nvCxnSpPr>
+        <p:spPr>
+          <a:xfrm rot="16200000" flipH="1">
+            <a:off x="1306274" y="4190655"/>
+            <a:ext cx="131800" cy="7073"/>
+          </a:xfrm>
+          <a:prstGeom prst="bentConnector3">
+            <a:avLst>
+              <a:gd name="adj1" fmla="val 96033"/>
+            </a:avLst>
+          </a:prstGeom>
+          <a:ln w="12700">
+            <a:solidFill>
+              <a:schemeClr val="tx1"/>
+            </a:solidFill>
+          </a:ln>
+        </p:spPr>
+        <p:style>
+          <a:lnRef idx="1">
+            <a:schemeClr val="accent1"/>
+          </a:lnRef>
+          <a:fillRef idx="0">
+            <a:schemeClr val="accent1"/>
+          </a:fillRef>
+          <a:effectRef idx="0">
+            <a:schemeClr val="accent1"/>
+          </a:effectRef>
+          <a:fontRef idx="minor">
+            <a:schemeClr val="tx1"/>
+          </a:fontRef>
+        </p:style>
+      </p:cxnSp>
       <p:sp>
         <p:nvSpPr>
-          <p:cNvPr id="185" name="CuadroTexto 135" descr="Conector entre nodos" title="conector"/>
+          <p:cNvPr id="183" name="CuadroTexto 135" descr="Conector entre nodos" title="conector"/>
           <p:cNvSpPr txBox="1"/>
           <p:nvPr/>
         </p:nvSpPr>
         <p:spPr>
           <a:xfrm>
-            <a:off x="4236685" y="5575562"/>
-            <a:ext cx="681872" cy="215444"/>
+            <a:off x="4008365" y="4733999"/>
+            <a:ext cx="993910" cy="215444"/>
           </a:xfrm>
           <a:prstGeom prst="rect">
             <a:avLst/>
@@ -4086,56 +3692,48 @@
           <a:p>
             <a:pPr algn="ctr"/>
             <a:r>
-              <a:rPr lang="es-ES" sz="800" dirty="0" smtClean="0">
+              <a:rPr lang="es-ES" sz="800" dirty="0">
+                <a:latin typeface="Arial" panose="020B0604020202020204" pitchFamily="34" charset="0"/>
+                <a:cs typeface="Arial" panose="020B0604020202020204" pitchFamily="34" charset="0"/>
+              </a:rPr>
+              <a:t>corresponde a</a:t>
+            </a:r>
+          </a:p>
+        </p:txBody>
+      </p:sp>
+      <p:sp>
+        <p:nvSpPr>
+          <p:cNvPr id="185" name="CuadroTexto 135" descr="Conector entre nodos" title="conector"/>
+          <p:cNvSpPr txBox="1"/>
+          <p:nvPr/>
+        </p:nvSpPr>
+        <p:spPr>
+          <a:xfrm>
+            <a:off x="3998557" y="5862074"/>
+            <a:ext cx="1003718" cy="215444"/>
+          </a:xfrm>
+          <a:prstGeom prst="rect">
+            <a:avLst/>
+          </a:prstGeom>
+          <a:noFill/>
+        </p:spPr>
+        <p:txBody>
+          <a:bodyPr wrap="square" rtlCol="0">
+            <a:spAutoFit/>
+          </a:bodyPr>
+          <a:lstStyle/>
+          <a:p>
+            <a:pPr algn="ctr"/>
+            <a:r>
+              <a:rPr lang="es-ES" sz="800" dirty="0">
                 <a:latin typeface="Arial" panose="020B0604020202020204" pitchFamily="34" charset="0"/>
                 <a:cs typeface="Arial" panose="020B0604020202020204" pitchFamily="34" charset="0"/>
               </a:rPr>
               <a:t>puede ser</a:t>
             </a:r>
-            <a:endParaRPr lang="es-ES" sz="800" dirty="0">
-              <a:latin typeface="Arial" panose="020B0604020202020204" pitchFamily="34" charset="0"/>
-              <a:cs typeface="Arial" panose="020B0604020202020204" pitchFamily="34" charset="0"/>
-            </a:endParaRPr>
           </a:p>
         </p:txBody>
       </p:sp>
-      <p:cxnSp>
-        <p:nvCxnSpPr>
-          <p:cNvPr id="214" name="Conector angular 346"/>
-          <p:cNvCxnSpPr/>
-          <p:nvPr/>
-        </p:nvCxnSpPr>
-        <p:spPr>
-          <a:xfrm rot="5400000">
-            <a:off x="7797342" y="4588926"/>
-            <a:ext cx="162915" cy="13205"/>
-          </a:xfrm>
-          <a:prstGeom prst="bentConnector3">
-            <a:avLst>
-              <a:gd name="adj1" fmla="val 102620"/>
-            </a:avLst>
-          </a:prstGeom>
-          <a:ln w="12700">
-            <a:solidFill>
-              <a:schemeClr val="tx1"/>
-            </a:solidFill>
-          </a:ln>
-        </p:spPr>
-        <p:style>
-          <a:lnRef idx="1">
-            <a:schemeClr val="accent1"/>
-          </a:lnRef>
-          <a:fillRef idx="0">
-            <a:schemeClr val="accent1"/>
-          </a:fillRef>
-          <a:effectRef idx="0">
-            <a:schemeClr val="accent1"/>
-          </a:effectRef>
-          <a:fontRef idx="minor">
-            <a:schemeClr val="tx1"/>
-          </a:fontRef>
-        </p:style>
-      </p:cxnSp>
       <p:sp>
         <p:nvSpPr>
           <p:cNvPr id="217" name="Rectángulo 145" descr="Nodo de cuarto nivel&#10;" title="Nodo04"/>
@@ -4144,7 +3742,7 @@
         </p:nvSpPr>
         <p:spPr>
           <a:xfrm>
-            <a:off x="6178161" y="4769042"/>
+            <a:off x="6411839" y="4774122"/>
             <a:ext cx="775089" cy="359224"/>
           </a:xfrm>
           <a:prstGeom prst="rect">
@@ -4177,7 +3775,7 @@
           <a:p>
             <a:pPr algn="ctr"/>
             <a:r>
-              <a:rPr lang="es-ES" sz="900" dirty="0" smtClean="0">
+              <a:rPr lang="es-ES" sz="900" dirty="0">
                 <a:solidFill>
                   <a:schemeClr val="tx1"/>
                 </a:solidFill>
@@ -4186,13 +3784,6 @@
               </a:rPr>
               <a:t>simetría de reflexión</a:t>
             </a:r>
-            <a:endParaRPr lang="es-ES" sz="900" dirty="0">
-              <a:solidFill>
-                <a:schemeClr val="tx1"/>
-              </a:solidFill>
-              <a:latin typeface="Arial" panose="020B0604020202020204" pitchFamily="34" charset="0"/>
-              <a:cs typeface="Arial" panose="020B0604020202020204" pitchFamily="34" charset="0"/>
-            </a:endParaRPr>
           </a:p>
         </p:txBody>
       </p:sp>
@@ -4204,7 +3795,7 @@
         </p:nvSpPr>
         <p:spPr>
           <a:xfrm>
-            <a:off x="7156573" y="4777576"/>
+            <a:off x="7250353" y="4777576"/>
             <a:ext cx="775089" cy="359224"/>
           </a:xfrm>
           <a:prstGeom prst="rect">
@@ -4237,7 +3828,7 @@
           <a:p>
             <a:pPr algn="ctr"/>
             <a:r>
-              <a:rPr lang="es-ES" sz="900" dirty="0" smtClean="0">
+              <a:rPr lang="es-ES" sz="900" dirty="0">
                 <a:solidFill>
                   <a:schemeClr val="tx1"/>
                 </a:solidFill>
@@ -4246,13 +3837,6 @@
               </a:rPr>
               <a:t>simetría de reflexión</a:t>
             </a:r>
-            <a:endParaRPr lang="es-ES" sz="900" dirty="0">
-              <a:solidFill>
-                <a:schemeClr val="tx1"/>
-              </a:solidFill>
-              <a:latin typeface="Arial" panose="020B0604020202020204" pitchFamily="34" charset="0"/>
-              <a:cs typeface="Arial" panose="020B0604020202020204" pitchFamily="34" charset="0"/>
-            </a:endParaRPr>
           </a:p>
         </p:txBody>
       </p:sp>
@@ -4264,7 +3848,7 @@
         </p:nvSpPr>
         <p:spPr>
           <a:xfrm>
-            <a:off x="8104143" y="4777576"/>
+            <a:off x="8073663" y="4777576"/>
             <a:ext cx="775089" cy="359224"/>
           </a:xfrm>
           <a:prstGeom prst="rect">
@@ -4297,7 +3881,7 @@
           <a:p>
             <a:pPr algn="ctr"/>
             <a:r>
-              <a:rPr lang="es-ES" sz="900" dirty="0" smtClean="0">
+              <a:rPr lang="es-ES" sz="900" dirty="0">
                 <a:solidFill>
                   <a:schemeClr val="tx1"/>
                 </a:solidFill>
@@ -4306,13 +3890,6 @@
               </a:rPr>
               <a:t>simetría de reflexión</a:t>
             </a:r>
-            <a:endParaRPr lang="es-ES" sz="900" dirty="0">
-              <a:solidFill>
-                <a:schemeClr val="tx1"/>
-              </a:solidFill>
-              <a:latin typeface="Arial" panose="020B0604020202020204" pitchFamily="34" charset="0"/>
-              <a:cs typeface="Arial" panose="020B0604020202020204" pitchFamily="34" charset="0"/>
-            </a:endParaRPr>
           </a:p>
         </p:txBody>
       </p:sp>
@@ -4392,55 +3969,21 @@
       </p:cxnSp>
       <p:cxnSp>
         <p:nvCxnSpPr>
-          <p:cNvPr id="222" name="Conector angular 218"/>
-          <p:cNvCxnSpPr/>
+          <p:cNvPr id="223" name="Conector angular 222"/>
+          <p:cNvCxnSpPr>
+            <a:stCxn id="164" idx="0"/>
+            <a:endCxn id="176" idx="2"/>
+          </p:cNvCxnSpPr>
           <p:nvPr/>
         </p:nvCxnSpPr>
         <p:spPr>
-          <a:xfrm rot="16200000" flipH="1">
-            <a:off x="3809593" y="4028537"/>
-            <a:ext cx="143914" cy="2348"/>
+          <a:xfrm rot="16200000" flipV="1">
+            <a:off x="4045384" y="3806473"/>
+            <a:ext cx="262274" cy="659541"/>
           </a:xfrm>
           <a:prstGeom prst="bentConnector3">
             <a:avLst>
-              <a:gd name="adj1" fmla="val 98762"/>
-            </a:avLst>
-          </a:prstGeom>
-          <a:ln w="12700">
-            <a:solidFill>
-              <a:schemeClr val="tx1"/>
-            </a:solidFill>
-          </a:ln>
-        </p:spPr>
-        <p:style>
-          <a:lnRef idx="1">
-            <a:schemeClr val="accent1"/>
-          </a:lnRef>
-          <a:fillRef idx="0">
-            <a:schemeClr val="accent1"/>
-          </a:fillRef>
-          <a:effectRef idx="0">
-            <a:schemeClr val="accent1"/>
-          </a:effectRef>
-          <a:fontRef idx="minor">
-            <a:schemeClr val="tx1"/>
-          </a:fontRef>
-        </p:style>
-      </p:cxnSp>
-      <p:cxnSp>
-        <p:nvCxnSpPr>
-          <p:cNvPr id="223" name="Conector angular 222"/>
-          <p:cNvCxnSpPr/>
-          <p:nvPr/>
-        </p:nvCxnSpPr>
-        <p:spPr>
-          <a:xfrm rot="10800000">
-            <a:off x="3515680" y="4111158"/>
-            <a:ext cx="1001932" cy="131475"/>
-          </a:xfrm>
-          <a:prstGeom prst="bentConnector3">
-            <a:avLst>
-              <a:gd name="adj1" fmla="val 90"/>
+              <a:gd name="adj1" fmla="val 50000"/>
             </a:avLst>
           </a:prstGeom>
           <a:ln w="12700">
@@ -4468,18 +4011,19 @@
         <p:nvCxnSpPr>
           <p:cNvPr id="286" name="Conector angular 337"/>
           <p:cNvCxnSpPr>
+            <a:stCxn id="176" idx="2"/>
             <a:endCxn id="163" idx="0"/>
           </p:cNvCxnSpPr>
           <p:nvPr/>
         </p:nvCxnSpPr>
         <p:spPr>
           <a:xfrm rot="5400000">
-            <a:off x="3420212" y="4186179"/>
-            <a:ext cx="169018" cy="12700"/>
+            <a:off x="3495878" y="3916509"/>
+            <a:ext cx="262274" cy="439471"/>
           </a:xfrm>
           <a:prstGeom prst="bentConnector3">
             <a:avLst>
-              <a:gd name="adj1" fmla="val 95084"/>
+              <a:gd name="adj1" fmla="val 50000"/>
             </a:avLst>
           </a:prstGeom>
           <a:ln w="12700">
@@ -4506,17 +4050,20 @@
       <p:cxnSp>
         <p:nvCxnSpPr>
           <p:cNvPr id="288" name="Conector angular 337"/>
-          <p:cNvCxnSpPr/>
+          <p:cNvCxnSpPr>
+            <a:stCxn id="163" idx="2"/>
+            <a:endCxn id="271" idx="0"/>
+          </p:cNvCxnSpPr>
           <p:nvPr/>
         </p:nvCxnSpPr>
         <p:spPr>
           <a:xfrm rot="16200000" flipH="1">
-            <a:off x="3439872" y="4606800"/>
-            <a:ext cx="85581" cy="2348"/>
+            <a:off x="3364665" y="4689862"/>
+            <a:ext cx="86658" cy="1430"/>
           </a:xfrm>
           <a:prstGeom prst="bentConnector3">
             <a:avLst>
-              <a:gd name="adj1" fmla="val 110312"/>
+              <a:gd name="adj1" fmla="val 50000"/>
             </a:avLst>
           </a:prstGeom>
           <a:ln w="12700">
@@ -4543,17 +4090,20 @@
       <p:cxnSp>
         <p:nvCxnSpPr>
           <p:cNvPr id="289" name="Conector angular 337"/>
-          <p:cNvCxnSpPr/>
+          <p:cNvCxnSpPr>
+            <a:stCxn id="164" idx="2"/>
+            <a:endCxn id="183" idx="0"/>
+          </p:cNvCxnSpPr>
           <p:nvPr/>
         </p:nvCxnSpPr>
         <p:spPr>
-          <a:xfrm rot="16200000" flipH="1">
-            <a:off x="4475996" y="4652175"/>
-            <a:ext cx="85581" cy="2348"/>
+          <a:xfrm rot="5400000">
+            <a:off x="4462431" y="4690139"/>
+            <a:ext cx="86750" cy="971"/>
           </a:xfrm>
           <a:prstGeom prst="bentConnector3">
             <a:avLst>
-              <a:gd name="adj1" fmla="val 110312"/>
+              <a:gd name="adj1" fmla="val 50000"/>
             </a:avLst>
           </a:prstGeom>
           <a:ln w="12700">
@@ -4580,17 +4130,20 @@
       <p:cxnSp>
         <p:nvCxnSpPr>
           <p:cNvPr id="290" name="Conector angular 337"/>
-          <p:cNvCxnSpPr/>
+          <p:cNvCxnSpPr>
+            <a:stCxn id="271" idx="2"/>
+            <a:endCxn id="157" idx="0"/>
+          </p:cNvCxnSpPr>
           <p:nvPr/>
         </p:nvCxnSpPr>
         <p:spPr>
           <a:xfrm rot="16200000" flipH="1">
-            <a:off x="3439872" y="4835845"/>
-            <a:ext cx="85581" cy="2348"/>
+            <a:off x="3365119" y="4992940"/>
+            <a:ext cx="87609" cy="428"/>
           </a:xfrm>
           <a:prstGeom prst="bentConnector3">
             <a:avLst>
-              <a:gd name="adj1" fmla="val 110312"/>
+              <a:gd name="adj1" fmla="val 50000"/>
             </a:avLst>
           </a:prstGeom>
           <a:ln w="12700">
@@ -4617,17 +4170,20 @@
       <p:cxnSp>
         <p:nvCxnSpPr>
           <p:cNvPr id="291" name="Conector angular 337"/>
-          <p:cNvCxnSpPr/>
+          <p:cNvCxnSpPr>
+            <a:stCxn id="183" idx="2"/>
+            <a:endCxn id="177" idx="0"/>
+          </p:cNvCxnSpPr>
           <p:nvPr/>
         </p:nvCxnSpPr>
         <p:spPr>
-          <a:xfrm rot="16200000" flipH="1">
-            <a:off x="4472901" y="4861295"/>
-            <a:ext cx="85581" cy="2348"/>
+          <a:xfrm rot="5400000">
+            <a:off x="4460611" y="4992250"/>
+            <a:ext cx="87517" cy="1902"/>
           </a:xfrm>
           <a:prstGeom prst="bentConnector3">
             <a:avLst>
-              <a:gd name="adj1" fmla="val 110312"/>
+              <a:gd name="adj1" fmla="val 50000"/>
             </a:avLst>
           </a:prstGeom>
           <a:ln w="12700">
@@ -4654,17 +4210,20 @@
       <p:cxnSp>
         <p:nvCxnSpPr>
           <p:cNvPr id="292" name="Conector angular 337"/>
-          <p:cNvCxnSpPr/>
+          <p:cNvCxnSpPr>
+            <a:stCxn id="177" idx="2"/>
+            <a:endCxn id="185" idx="0"/>
+          </p:cNvCxnSpPr>
           <p:nvPr/>
         </p:nvCxnSpPr>
         <p:spPr>
-          <a:xfrm rot="16200000" flipH="1">
-            <a:off x="4472901" y="5577140"/>
-            <a:ext cx="85581" cy="2348"/>
+          <a:xfrm rot="5400000">
+            <a:off x="4469087" y="5827743"/>
+            <a:ext cx="65660" cy="3002"/>
           </a:xfrm>
           <a:prstGeom prst="bentConnector3">
             <a:avLst>
-              <a:gd name="adj1" fmla="val 110312"/>
+              <a:gd name="adj1" fmla="val 50000"/>
             </a:avLst>
           </a:prstGeom>
           <a:ln w="12700">
@@ -4691,17 +4250,20 @@
       <p:cxnSp>
         <p:nvCxnSpPr>
           <p:cNvPr id="293" name="Conector angular 337"/>
-          <p:cNvCxnSpPr/>
+          <p:cNvCxnSpPr>
+            <a:stCxn id="185" idx="2"/>
+            <a:endCxn id="331" idx="0"/>
+          </p:cNvCxnSpPr>
           <p:nvPr/>
         </p:nvCxnSpPr>
         <p:spPr>
           <a:xfrm rot="16200000" flipH="1">
-            <a:off x="4470553" y="5795305"/>
-            <a:ext cx="85581" cy="2348"/>
+            <a:off x="4459224" y="6118709"/>
+            <a:ext cx="82385" cy="1"/>
           </a:xfrm>
           <a:prstGeom prst="bentConnector3">
             <a:avLst>
-              <a:gd name="adj1" fmla="val 110312"/>
+              <a:gd name="adj1" fmla="val 50000"/>
             </a:avLst>
           </a:prstGeom>
           <a:ln w="12700">
@@ -4729,17 +4291,20 @@
         <p:nvCxnSpPr>
           <p:cNvPr id="294" name="Conector angular 293"/>
           <p:cNvCxnSpPr>
+            <a:stCxn id="366" idx="2"/>
             <a:endCxn id="217" idx="0"/>
           </p:cNvCxnSpPr>
           <p:nvPr/>
         </p:nvCxnSpPr>
         <p:spPr>
-          <a:xfrm rot="10800000" flipV="1">
-            <a:off x="6565706" y="4683272"/>
-            <a:ext cx="2051282" cy="85770"/>
-          </a:xfrm>
-          <a:prstGeom prst="bentConnector2">
-            <a:avLst/>
+          <a:xfrm rot="5400000">
+            <a:off x="7115865" y="4245513"/>
+            <a:ext cx="212128" cy="845090"/>
+          </a:xfrm>
+          <a:prstGeom prst="bentConnector3">
+            <a:avLst>
+              <a:gd name="adj1" fmla="val 50000"/>
+            </a:avLst>
           </a:prstGeom>
           <a:ln w="12700">
             <a:solidFill>
@@ -4765,17 +4330,20 @@
       <p:cxnSp>
         <p:nvCxnSpPr>
           <p:cNvPr id="295" name="Conector angular 337"/>
-          <p:cNvCxnSpPr/>
+          <p:cNvCxnSpPr>
+            <a:stCxn id="366" idx="2"/>
+            <a:endCxn id="218" idx="0"/>
+          </p:cNvCxnSpPr>
           <p:nvPr/>
         </p:nvCxnSpPr>
         <p:spPr>
-          <a:xfrm rot="16200000" flipH="1">
-            <a:off x="7544446" y="4718603"/>
-            <a:ext cx="85581" cy="2348"/>
+          <a:xfrm rot="5400000">
+            <a:off x="7533395" y="4666497"/>
+            <a:ext cx="215582" cy="6576"/>
           </a:xfrm>
           <a:prstGeom prst="bentConnector3">
             <a:avLst>
-              <a:gd name="adj1" fmla="val 110312"/>
+              <a:gd name="adj1" fmla="val 50000"/>
             </a:avLst>
           </a:prstGeom>
           <a:ln w="12700">
@@ -4802,17 +4370,20 @@
       <p:cxnSp>
         <p:nvCxnSpPr>
           <p:cNvPr id="296" name="Conector angular 337"/>
-          <p:cNvCxnSpPr/>
+          <p:cNvCxnSpPr>
+            <a:stCxn id="366" idx="2"/>
+            <a:endCxn id="219" idx="0"/>
+          </p:cNvCxnSpPr>
           <p:nvPr/>
         </p:nvCxnSpPr>
         <p:spPr>
           <a:xfrm rot="16200000" flipH="1">
-            <a:off x="8573024" y="4723481"/>
-            <a:ext cx="85581" cy="2348"/>
+            <a:off x="7945050" y="4261418"/>
+            <a:ext cx="215582" cy="816734"/>
           </a:xfrm>
           <a:prstGeom prst="bentConnector3">
             <a:avLst>
-              <a:gd name="adj1" fmla="val 110312"/>
+              <a:gd name="adj1" fmla="val 50000"/>
             </a:avLst>
           </a:prstGeom>
           <a:ln w="12700">
@@ -4839,17 +4410,20 @@
       <p:cxnSp>
         <p:nvCxnSpPr>
           <p:cNvPr id="297" name="Conector angular 346"/>
-          <p:cNvCxnSpPr/>
+          <p:cNvCxnSpPr>
+            <a:stCxn id="354" idx="2"/>
+            <a:endCxn id="356" idx="0"/>
+          </p:cNvCxnSpPr>
           <p:nvPr/>
         </p:nvCxnSpPr>
         <p:spPr>
           <a:xfrm rot="16200000" flipH="1">
-            <a:off x="5708784" y="4133058"/>
-            <a:ext cx="10246" cy="712"/>
+            <a:off x="5680957" y="4220186"/>
+            <a:ext cx="98026" cy="1"/>
           </a:xfrm>
           <a:prstGeom prst="bentConnector3">
             <a:avLst>
-              <a:gd name="adj1" fmla="val 1212044"/>
+              <a:gd name="adj1" fmla="val 50000"/>
             </a:avLst>
           </a:prstGeom>
           <a:ln w="12700">
@@ -4883,13 +4457,6 @@
   <p:clrMapOvr>
     <a:masterClrMapping/>
   </p:clrMapOvr>
-  <p:timing>
-    <p:tnLst>
-      <p:par>
-        <p:cTn id="1" dur="indefinite" restart="never" nodeType="tmRoot"/>
-      </p:par>
-    </p:tnLst>
-  </p:timing>
 </p:sld>
 </file>
 
